--- a/Unit 2 Electricity and Magnetism/Day 16 Motor Principle/The Motor Principle.pptx
+++ b/Unit 2 Electricity and Magnetism/Day 16 Motor Principle/The Motor Principle.pptx
@@ -12,8 +12,8 @@
     <p:sldId id="310" r:id="rId9"/>
     <p:sldId id="313" r:id="rId10"/>
     <p:sldId id="280" r:id="rId11"/>
-    <p:sldId id="281" r:id="rId12"/>
-    <p:sldId id="315" r:id="rId13"/>
+    <p:sldId id="315" r:id="rId12"/>
+    <p:sldId id="281" r:id="rId13"/>
     <p:sldId id="282" r:id="rId14"/>
     <p:sldId id="283" r:id="rId15"/>
     <p:sldId id="292" r:id="rId16"/>
@@ -325,7 +325,7 @@
           <a:p>
             <a:fld id="{59DD6B92-ABBC-4B5C-B914-D3B03E323DB8}" type="datetimeFigureOut">
               <a:rPr lang="en-US" smtClean="0"/>
-              <a:t>10/2/2018</a:t>
+              <a:t>10/8/2019</a:t>
             </a:fld>
             <a:endParaRPr lang="en-US"/>
           </a:p>
@@ -490,7 +490,7 @@
           <a:p>
             <a:fld id="{59DD6B92-ABBC-4B5C-B914-D3B03E323DB8}" type="datetimeFigureOut">
               <a:rPr lang="en-US" smtClean="0"/>
-              <a:t>10/2/2018</a:t>
+              <a:t>10/8/2019</a:t>
             </a:fld>
             <a:endParaRPr lang="en-US"/>
           </a:p>
@@ -665,7 +665,7 @@
           <a:p>
             <a:fld id="{59DD6B92-ABBC-4B5C-B914-D3B03E323DB8}" type="datetimeFigureOut">
               <a:rPr lang="en-US" smtClean="0"/>
-              <a:t>10/2/2018</a:t>
+              <a:t>10/8/2019</a:t>
             </a:fld>
             <a:endParaRPr lang="en-US"/>
           </a:p>
@@ -830,7 +830,7 @@
           <a:p>
             <a:fld id="{59DD6B92-ABBC-4B5C-B914-D3B03E323DB8}" type="datetimeFigureOut">
               <a:rPr lang="en-US" smtClean="0"/>
-              <a:t>10/2/2018</a:t>
+              <a:t>10/8/2019</a:t>
             </a:fld>
             <a:endParaRPr lang="en-US"/>
           </a:p>
@@ -1071,7 +1071,7 @@
           <a:p>
             <a:fld id="{59DD6B92-ABBC-4B5C-B914-D3B03E323DB8}" type="datetimeFigureOut">
               <a:rPr lang="en-US" smtClean="0"/>
-              <a:t>10/2/2018</a:t>
+              <a:t>10/8/2019</a:t>
             </a:fld>
             <a:endParaRPr lang="en-US"/>
           </a:p>
@@ -1354,7 +1354,7 @@
           <a:p>
             <a:fld id="{59DD6B92-ABBC-4B5C-B914-D3B03E323DB8}" type="datetimeFigureOut">
               <a:rPr lang="en-US" smtClean="0"/>
-              <a:t>10/2/2018</a:t>
+              <a:t>10/8/2019</a:t>
             </a:fld>
             <a:endParaRPr lang="en-US"/>
           </a:p>
@@ -1771,7 +1771,7 @@
           <a:p>
             <a:fld id="{59DD6B92-ABBC-4B5C-B914-D3B03E323DB8}" type="datetimeFigureOut">
               <a:rPr lang="en-US" smtClean="0"/>
-              <a:t>10/2/2018</a:t>
+              <a:t>10/8/2019</a:t>
             </a:fld>
             <a:endParaRPr lang="en-US"/>
           </a:p>
@@ -1884,7 +1884,7 @@
           <a:p>
             <a:fld id="{59DD6B92-ABBC-4B5C-B914-D3B03E323DB8}" type="datetimeFigureOut">
               <a:rPr lang="en-US" smtClean="0"/>
-              <a:t>10/2/2018</a:t>
+              <a:t>10/8/2019</a:t>
             </a:fld>
             <a:endParaRPr lang="en-US"/>
           </a:p>
@@ -1974,7 +1974,7 @@
           <a:p>
             <a:fld id="{59DD6B92-ABBC-4B5C-B914-D3B03E323DB8}" type="datetimeFigureOut">
               <a:rPr lang="en-US" smtClean="0"/>
-              <a:t>10/2/2018</a:t>
+              <a:t>10/8/2019</a:t>
             </a:fld>
             <a:endParaRPr lang="en-US"/>
           </a:p>
@@ -2596,7 +2596,7 @@
           <a:p>
             <a:fld id="{59DD6B92-ABBC-4B5C-B914-D3B03E323DB8}" type="datetimeFigureOut">
               <a:rPr lang="en-US" smtClean="0"/>
-              <a:t>10/2/2018</a:t>
+              <a:t>10/8/2019</a:t>
             </a:fld>
             <a:endParaRPr lang="en-US"/>
           </a:p>
@@ -2844,7 +2844,7 @@
           <a:p>
             <a:fld id="{59DD6B92-ABBC-4B5C-B914-D3B03E323DB8}" type="datetimeFigureOut">
               <a:rPr lang="en-US" smtClean="0"/>
-              <a:t>10/2/2018</a:t>
+              <a:t>10/8/2019</a:t>
             </a:fld>
             <a:endParaRPr lang="en-US"/>
           </a:p>
@@ -3052,7 +3052,7 @@
           <a:p>
             <a:fld id="{59DD6B92-ABBC-4B5C-B914-D3B03E323DB8}" type="datetimeFigureOut">
               <a:rPr lang="en-US" smtClean="0"/>
-              <a:t>10/2/2018</a:t>
+              <a:t>10/8/2019</a:t>
             </a:fld>
             <a:endParaRPr lang="en-US"/>
           </a:p>
@@ -6424,11 +6424,7 @@
           <a:p>
             <a:r>
               <a:rPr lang="en-US" sz="3200" b="1" dirty="0" smtClean="0"/>
-              <a:t>Electric </a:t>
-            </a:r>
-            <a:r>
-              <a:rPr lang="en-US" sz="3200" b="1" dirty="0" smtClean="0"/>
-              <a:t>Generators &amp; Turbines</a:t>
+              <a:t>Electric Generators &amp; Turbines</a:t>
             </a:r>
             <a:endParaRPr lang="en-US" sz="3200" b="1" dirty="0"/>
           </a:p>
@@ -8692,6 +8688,13 @@
   <p:clrMapOvr>
     <a:masterClrMapping/>
   </p:clrMapOvr>
+  <p:timing>
+    <p:tnLst>
+      <p:par>
+        <p:cTn id="1" dur="indefinite" restart="never" nodeType="tmRoot"/>
+      </p:par>
+    </p:tnLst>
+  </p:timing>
 </p:sld>
 </file>
 
@@ -9197,6 +9200,13 @@
   <p:clrMapOvr>
     <a:masterClrMapping/>
   </p:clrMapOvr>
+  <p:timing>
+    <p:tnLst>
+      <p:par>
+        <p:cTn id="1" dur="indefinite" restart="never" nodeType="tmRoot"/>
+      </p:par>
+    </p:tnLst>
+  </p:timing>
 </p:sld>
 </file>
 
@@ -9511,6 +9521,13 @@
   <p:clrMapOvr>
     <a:masterClrMapping/>
   </p:clrMapOvr>
+  <p:timing>
+    <p:tnLst>
+      <p:par>
+        <p:cTn id="1" dur="indefinite" restart="never" nodeType="tmRoot"/>
+      </p:par>
+    </p:tnLst>
+  </p:timing>
 </p:sld>
 </file>
 
@@ -9704,6 +9721,13 @@
   <p:clrMapOvr>
     <a:masterClrMapping/>
   </p:clrMapOvr>
+  <p:timing>
+    <p:tnLst>
+      <p:par>
+        <p:cTn id="1" dur="indefinite" restart="never" nodeType="tmRoot"/>
+      </p:par>
+    </p:tnLst>
+  </p:timing>
 </p:sld>
 </file>
 
@@ -9802,7 +9826,6 @@
               <a:rPr lang="en-US" dirty="0" smtClean="0"/>
               <a:t>on: </a:t>
             </a:r>
-            <a:endParaRPr lang="en-US" dirty="0" smtClean="0"/>
           </a:p>
           <a:p>
             <a:pPr marL="914400" lvl="1" indent="-514350">
@@ -9879,6 +9902,13 @@
   <p:clrMapOvr>
     <a:masterClrMapping/>
   </p:clrMapOvr>
+  <p:timing>
+    <p:tnLst>
+      <p:par>
+        <p:cTn id="1" dur="indefinite" restart="never" nodeType="tmRoot"/>
+      </p:par>
+    </p:tnLst>
+  </p:timing>
 </p:sld>
 </file>
 
@@ -9943,20 +9973,12 @@
               <a:rPr lang="en-CA" sz="2800" dirty="0" smtClean="0"/>
               <a:t>Direction of magnetic force can be </a:t>
             </a:r>
-            <a:r>
-              <a:rPr lang="en-CA" sz="2800" dirty="0" smtClean="0"/>
-              <a:t/>
-            </a:r>
             <a:br>
               <a:rPr lang="en-CA" sz="2800" dirty="0" smtClean="0"/>
             </a:br>
             <a:r>
               <a:rPr lang="en-CA" sz="2800" dirty="0" smtClean="0"/>
-              <a:t>determined </a:t>
-            </a:r>
-            <a:r>
-              <a:rPr lang="en-CA" sz="2800" dirty="0" smtClean="0"/>
-              <a:t>as follows:</a:t>
+              <a:t>determined as follows:</a:t>
             </a:r>
           </a:p>
           <a:p>
@@ -10142,6 +10164,1580 @@
 </file>
 
 <file path=ppt/slides/slide8.xml><?xml version="1.0" encoding="utf-8"?>
+<p:sld xmlns:a="http://schemas.openxmlformats.org/drawingml/2006/main" xmlns:r="http://schemas.openxmlformats.org/officeDocument/2006/relationships" xmlns:p="http://schemas.openxmlformats.org/presentationml/2006/main">
+  <p:cSld>
+    <p:spTree>
+      <p:nvGrpSpPr>
+        <p:cNvPr id="1" name=""/>
+        <p:cNvGrpSpPr/>
+        <p:nvPr/>
+      </p:nvGrpSpPr>
+      <p:grpSpPr>
+        <a:xfrm>
+          <a:off x="0" y="0"/>
+          <a:ext cx="0" cy="0"/>
+          <a:chOff x="0" y="0"/>
+          <a:chExt cx="0" cy="0"/>
+        </a:xfrm>
+      </p:grpSpPr>
+      <p:sp>
+        <p:nvSpPr>
+          <p:cNvPr id="2" name="Title 1"/>
+          <p:cNvSpPr>
+            <a:spLocks noGrp="1"/>
+          </p:cNvSpPr>
+          <p:nvPr>
+            <p:ph type="title"/>
+          </p:nvPr>
+        </p:nvSpPr>
+        <p:spPr/>
+        <p:txBody>
+          <a:bodyPr/>
+          <a:lstStyle/>
+          <a:p>
+            <a:r>
+              <a:rPr lang="en-CA" dirty="0" smtClean="0"/>
+              <a:t>Force on a Wire</a:t>
+            </a:r>
+            <a:endParaRPr lang="en-CA" dirty="0"/>
+          </a:p>
+        </p:txBody>
+      </p:sp>
+      <p:sp>
+        <p:nvSpPr>
+          <p:cNvPr id="3" name="Content Placeholder 2"/>
+          <p:cNvSpPr>
+            <a:spLocks noGrp="1"/>
+          </p:cNvSpPr>
+          <p:nvPr>
+            <p:ph idx="1"/>
+          </p:nvPr>
+        </p:nvSpPr>
+        <p:spPr/>
+        <p:txBody>
+          <a:bodyPr>
+            <a:normAutofit/>
+          </a:bodyPr>
+          <a:lstStyle/>
+          <a:p>
+            <a:r>
+              <a:rPr lang="en-CA" sz="2400" dirty="0" smtClean="0"/>
+              <a:t>When a current-carrying conductor is in an external magnetic field, but is </a:t>
+            </a:r>
+            <a:r>
+              <a:rPr lang="en-CA" sz="2400" b="1" dirty="0" smtClean="0"/>
+              <a:t>not parallel </a:t>
+            </a:r>
+            <a:r>
+              <a:rPr lang="en-CA" sz="2400" dirty="0" smtClean="0"/>
+              <a:t>to the field, it experiences a magnetic force.</a:t>
+            </a:r>
+          </a:p>
+          <a:p>
+            <a:endParaRPr lang="en-CA" sz="2800" dirty="0" smtClean="0"/>
+          </a:p>
+          <a:p>
+            <a:endParaRPr lang="en-CA" sz="2800" dirty="0" smtClean="0"/>
+          </a:p>
+          <a:p>
+            <a:endParaRPr lang="en-CA" sz="2800" dirty="0" smtClean="0"/>
+          </a:p>
+          <a:p>
+            <a:r>
+              <a:rPr lang="en-CA" sz="2400" b="1" dirty="0" smtClean="0"/>
+              <a:t>Note</a:t>
+            </a:r>
+            <a:r>
+              <a:rPr lang="en-CA" sz="2400" dirty="0" smtClean="0"/>
+              <a:t>: When the conductor is parallel to the field there is </a:t>
+            </a:r>
+            <a:br>
+              <a:rPr lang="en-CA" sz="2400" dirty="0" smtClean="0"/>
+            </a:br>
+            <a:r>
+              <a:rPr lang="en-CA" sz="2400" b="1" dirty="0" smtClean="0"/>
+              <a:t>no force</a:t>
+            </a:r>
+            <a:r>
+              <a:rPr lang="en-CA" sz="2400" dirty="0" smtClean="0"/>
+              <a:t>.</a:t>
+            </a:r>
+            <a:endParaRPr lang="en-CA" sz="2400" dirty="0"/>
+          </a:p>
+        </p:txBody>
+      </p:sp>
+      <p:grpSp>
+        <p:nvGrpSpPr>
+          <p:cNvPr id="4" name="Group 3"/>
+          <p:cNvGrpSpPr/>
+          <p:nvPr/>
+        </p:nvGrpSpPr>
+        <p:grpSpPr>
+          <a:xfrm>
+            <a:off x="1692324" y="2770496"/>
+            <a:ext cx="1310185" cy="1312473"/>
+            <a:chOff x="1514902" y="1091821"/>
+            <a:chExt cx="1310185" cy="1312473"/>
+          </a:xfrm>
+        </p:grpSpPr>
+        <p:grpSp>
+          <p:nvGrpSpPr>
+            <p:cNvPr id="5" name="Group 16"/>
+            <p:cNvGrpSpPr/>
+            <p:nvPr/>
+          </p:nvGrpSpPr>
+          <p:grpSpPr>
+            <a:xfrm>
+              <a:off x="2047164" y="1091821"/>
+              <a:ext cx="684660" cy="1312473"/>
+              <a:chOff x="2047164" y="1091821"/>
+              <a:chExt cx="684660" cy="1312473"/>
+            </a:xfrm>
+          </p:grpSpPr>
+          <p:sp>
+            <p:nvSpPr>
+              <p:cNvPr id="13" name="Rectangle 12"/>
+              <p:cNvSpPr/>
+              <p:nvPr/>
+            </p:nvSpPr>
+            <p:spPr>
+              <a:xfrm>
+                <a:off x="2047164" y="1091821"/>
+                <a:ext cx="682388" cy="368489"/>
+              </a:xfrm>
+              <a:prstGeom prst="rect">
+                <a:avLst/>
+              </a:prstGeom>
+              <a:solidFill>
+                <a:schemeClr val="accent2">
+                  <a:lumMod val="40000"/>
+                  <a:lumOff val="60000"/>
+                </a:schemeClr>
+              </a:solidFill>
+              <a:ln>
+                <a:solidFill>
+                  <a:schemeClr val="tx1"/>
+                </a:solidFill>
+              </a:ln>
+            </p:spPr>
+            <p:style>
+              <a:lnRef idx="2">
+                <a:schemeClr val="accent1">
+                  <a:shade val="50000"/>
+                </a:schemeClr>
+              </a:lnRef>
+              <a:fillRef idx="1">
+                <a:schemeClr val="accent1"/>
+              </a:fillRef>
+              <a:effectRef idx="0">
+                <a:schemeClr val="accent1"/>
+              </a:effectRef>
+              <a:fontRef idx="minor">
+                <a:schemeClr val="lt1"/>
+              </a:fontRef>
+            </p:style>
+            <p:txBody>
+              <a:bodyPr rtlCol="0" anchor="ctr"/>
+              <a:lstStyle/>
+              <a:p>
+                <a:pPr algn="ctr"/>
+                <a:r>
+                  <a:rPr lang="en-CA" b="1" dirty="0" smtClean="0">
+                    <a:solidFill>
+                      <a:schemeClr val="tx1"/>
+                    </a:solidFill>
+                  </a:rPr>
+                  <a:t>N</a:t>
+                </a:r>
+                <a:endParaRPr lang="en-CA" b="1" dirty="0">
+                  <a:solidFill>
+                    <a:schemeClr val="tx1"/>
+                  </a:solidFill>
+                </a:endParaRPr>
+              </a:p>
+            </p:txBody>
+          </p:sp>
+          <p:sp>
+            <p:nvSpPr>
+              <p:cNvPr id="14" name="Rectangle 4"/>
+              <p:cNvSpPr/>
+              <p:nvPr/>
+            </p:nvSpPr>
+            <p:spPr>
+              <a:xfrm>
+                <a:off x="2049436" y="2035805"/>
+                <a:ext cx="682388" cy="368489"/>
+              </a:xfrm>
+              <a:prstGeom prst="rect">
+                <a:avLst/>
+              </a:prstGeom>
+              <a:solidFill>
+                <a:schemeClr val="bg1"/>
+              </a:solidFill>
+              <a:ln>
+                <a:solidFill>
+                  <a:schemeClr val="tx1"/>
+                </a:solidFill>
+              </a:ln>
+            </p:spPr>
+            <p:style>
+              <a:lnRef idx="2">
+                <a:schemeClr val="accent1">
+                  <a:shade val="50000"/>
+                </a:schemeClr>
+              </a:lnRef>
+              <a:fillRef idx="1">
+                <a:schemeClr val="accent1"/>
+              </a:fillRef>
+              <a:effectRef idx="0">
+                <a:schemeClr val="accent1"/>
+              </a:effectRef>
+              <a:fontRef idx="minor">
+                <a:schemeClr val="lt1"/>
+              </a:fontRef>
+            </p:style>
+            <p:txBody>
+              <a:bodyPr rtlCol="0" anchor="ctr"/>
+              <a:lstStyle/>
+              <a:p>
+                <a:pPr algn="ctr"/>
+                <a:r>
+                  <a:rPr lang="en-CA" b="1" dirty="0" smtClean="0">
+                    <a:solidFill>
+                      <a:schemeClr val="tx1"/>
+                    </a:solidFill>
+                  </a:rPr>
+                  <a:t>S</a:t>
+                </a:r>
+                <a:endParaRPr lang="en-CA" b="1" dirty="0">
+                  <a:solidFill>
+                    <a:schemeClr val="tx1"/>
+                  </a:solidFill>
+                </a:endParaRPr>
+              </a:p>
+            </p:txBody>
+          </p:sp>
+          <p:cxnSp>
+            <p:nvCxnSpPr>
+              <p:cNvPr id="15" name="Straight Arrow Connector 14"/>
+              <p:cNvCxnSpPr/>
+              <p:nvPr/>
+            </p:nvCxnSpPr>
+            <p:spPr>
+              <a:xfrm rot="16200000" flipH="1">
+                <a:off x="2422481" y="1767387"/>
+                <a:ext cx="395784" cy="1"/>
+              </a:xfrm>
+              <a:prstGeom prst="straightConnector1">
+                <a:avLst/>
+              </a:prstGeom>
+              <a:ln>
+                <a:solidFill>
+                  <a:srgbClr val="0070C0"/>
+                </a:solidFill>
+                <a:tailEnd type="arrow"/>
+              </a:ln>
+            </p:spPr>
+            <p:style>
+              <a:lnRef idx="1">
+                <a:schemeClr val="accent1"/>
+              </a:lnRef>
+              <a:fillRef idx="0">
+                <a:schemeClr val="accent1"/>
+              </a:fillRef>
+              <a:effectRef idx="0">
+                <a:schemeClr val="accent1"/>
+              </a:effectRef>
+              <a:fontRef idx="minor">
+                <a:schemeClr val="tx1"/>
+              </a:fontRef>
+            </p:style>
+          </p:cxnSp>
+          <p:cxnSp>
+            <p:nvCxnSpPr>
+              <p:cNvPr id="16" name="Straight Arrow Connector 15"/>
+              <p:cNvCxnSpPr/>
+              <p:nvPr/>
+            </p:nvCxnSpPr>
+            <p:spPr>
+              <a:xfrm rot="16200000" flipH="1">
+                <a:off x="2260984" y="1756015"/>
+                <a:ext cx="395784" cy="1"/>
+              </a:xfrm>
+              <a:prstGeom prst="straightConnector1">
+                <a:avLst/>
+              </a:prstGeom>
+              <a:ln>
+                <a:solidFill>
+                  <a:srgbClr val="0070C0"/>
+                </a:solidFill>
+                <a:tailEnd type="arrow"/>
+              </a:ln>
+            </p:spPr>
+            <p:style>
+              <a:lnRef idx="1">
+                <a:schemeClr val="accent1"/>
+              </a:lnRef>
+              <a:fillRef idx="0">
+                <a:schemeClr val="accent1"/>
+              </a:fillRef>
+              <a:effectRef idx="0">
+                <a:schemeClr val="accent1"/>
+              </a:effectRef>
+              <a:fontRef idx="minor">
+                <a:schemeClr val="tx1"/>
+              </a:fontRef>
+            </p:style>
+          </p:cxnSp>
+          <p:cxnSp>
+            <p:nvCxnSpPr>
+              <p:cNvPr id="17" name="Straight Arrow Connector 16"/>
+              <p:cNvCxnSpPr/>
+              <p:nvPr/>
+            </p:nvCxnSpPr>
+            <p:spPr>
+              <a:xfrm rot="16200000" flipH="1">
+                <a:off x="2083563" y="1756015"/>
+                <a:ext cx="395784" cy="1"/>
+              </a:xfrm>
+              <a:prstGeom prst="straightConnector1">
+                <a:avLst/>
+              </a:prstGeom>
+              <a:ln>
+                <a:solidFill>
+                  <a:srgbClr val="0070C0"/>
+                </a:solidFill>
+                <a:tailEnd type="arrow"/>
+              </a:ln>
+            </p:spPr>
+            <p:style>
+              <a:lnRef idx="1">
+                <a:schemeClr val="accent1"/>
+              </a:lnRef>
+              <a:fillRef idx="0">
+                <a:schemeClr val="accent1"/>
+              </a:fillRef>
+              <a:effectRef idx="0">
+                <a:schemeClr val="accent1"/>
+              </a:effectRef>
+              <a:fontRef idx="minor">
+                <a:schemeClr val="tx1"/>
+              </a:fontRef>
+            </p:style>
+          </p:cxnSp>
+          <p:cxnSp>
+            <p:nvCxnSpPr>
+              <p:cNvPr id="18" name="Straight Arrow Connector 17"/>
+              <p:cNvCxnSpPr/>
+              <p:nvPr/>
+            </p:nvCxnSpPr>
+            <p:spPr>
+              <a:xfrm rot="16200000" flipH="1">
+                <a:off x="1919789" y="1756015"/>
+                <a:ext cx="395784" cy="1"/>
+              </a:xfrm>
+              <a:prstGeom prst="straightConnector1">
+                <a:avLst/>
+              </a:prstGeom>
+              <a:ln>
+                <a:solidFill>
+                  <a:srgbClr val="0070C0"/>
+                </a:solidFill>
+                <a:tailEnd type="arrow"/>
+              </a:ln>
+            </p:spPr>
+            <p:style>
+              <a:lnRef idx="1">
+                <a:schemeClr val="accent1"/>
+              </a:lnRef>
+              <a:fillRef idx="0">
+                <a:schemeClr val="accent1"/>
+              </a:fillRef>
+              <a:effectRef idx="0">
+                <a:schemeClr val="accent1"/>
+              </a:effectRef>
+              <a:fontRef idx="minor">
+                <a:schemeClr val="tx1"/>
+              </a:fontRef>
+            </p:style>
+          </p:cxnSp>
+        </p:grpSp>
+        <p:cxnSp>
+          <p:nvCxnSpPr>
+            <p:cNvPr id="6" name="Straight Connector 5"/>
+            <p:cNvCxnSpPr/>
+            <p:nvPr/>
+          </p:nvCxnSpPr>
+          <p:spPr>
+            <a:xfrm>
+              <a:off x="1978926" y="1719618"/>
+              <a:ext cx="846161" cy="0"/>
+            </a:xfrm>
+            <a:prstGeom prst="line">
+              <a:avLst/>
+            </a:prstGeom>
+            <a:ln w="38100">
+              <a:solidFill>
+                <a:schemeClr val="tx1"/>
+              </a:solidFill>
+            </a:ln>
+          </p:spPr>
+          <p:style>
+            <a:lnRef idx="1">
+              <a:schemeClr val="accent1"/>
+            </a:lnRef>
+            <a:fillRef idx="0">
+              <a:schemeClr val="accent1"/>
+            </a:fillRef>
+            <a:effectRef idx="0">
+              <a:schemeClr val="accent1"/>
+            </a:effectRef>
+            <a:fontRef idx="minor">
+              <a:schemeClr val="tx1"/>
+            </a:fontRef>
+          </p:style>
+        </p:cxnSp>
+        <p:grpSp>
+          <p:nvGrpSpPr>
+            <p:cNvPr id="7" name="Group 32"/>
+            <p:cNvGrpSpPr/>
+            <p:nvPr/>
+          </p:nvGrpSpPr>
+          <p:grpSpPr>
+            <a:xfrm>
+              <a:off x="1514902" y="1542197"/>
+              <a:ext cx="342672" cy="369332"/>
+              <a:chOff x="1173708" y="2920621"/>
+              <a:chExt cx="342672" cy="369332"/>
+            </a:xfrm>
+          </p:grpSpPr>
+          <p:sp>
+            <p:nvSpPr>
+              <p:cNvPr id="11" name="TextBox 10"/>
+              <p:cNvSpPr txBox="1"/>
+              <p:nvPr/>
+            </p:nvSpPr>
+            <p:spPr>
+              <a:xfrm>
+                <a:off x="1241946" y="2920621"/>
+                <a:ext cx="274434" cy="369332"/>
+              </a:xfrm>
+              <a:prstGeom prst="rect">
+                <a:avLst/>
+              </a:prstGeom>
+              <a:noFill/>
+            </p:spPr>
+            <p:txBody>
+              <a:bodyPr wrap="none" rtlCol="0">
+                <a:spAutoFit/>
+              </a:bodyPr>
+              <a:lstStyle/>
+              <a:p>
+                <a:r>
+                  <a:rPr lang="en-CA" b="1" dirty="0" smtClean="0">
+                    <a:latin typeface="Times New Roman" pitchFamily="18" charset="0"/>
+                    <a:cs typeface="Times New Roman" pitchFamily="18" charset="0"/>
+                  </a:rPr>
+                  <a:t>I</a:t>
+                </a:r>
+                <a:endParaRPr lang="en-CA" b="1" dirty="0">
+                  <a:latin typeface="Times New Roman" pitchFamily="18" charset="0"/>
+                  <a:cs typeface="Times New Roman" pitchFamily="18" charset="0"/>
+                </a:endParaRPr>
+              </a:p>
+            </p:txBody>
+          </p:sp>
+          <p:cxnSp>
+            <p:nvCxnSpPr>
+              <p:cNvPr id="12" name="Straight Arrow Connector 11"/>
+              <p:cNvCxnSpPr/>
+              <p:nvPr/>
+            </p:nvCxnSpPr>
+            <p:spPr>
+              <a:xfrm rot="10800000">
+                <a:off x="1173708" y="2934272"/>
+                <a:ext cx="341194" cy="1588"/>
+              </a:xfrm>
+              <a:prstGeom prst="straightConnector1">
+                <a:avLst/>
+              </a:prstGeom>
+              <a:ln>
+                <a:solidFill>
+                  <a:schemeClr val="tx1"/>
+                </a:solidFill>
+                <a:tailEnd type="arrow"/>
+              </a:ln>
+            </p:spPr>
+            <p:style>
+              <a:lnRef idx="1">
+                <a:schemeClr val="accent1"/>
+              </a:lnRef>
+              <a:fillRef idx="0">
+                <a:schemeClr val="accent1"/>
+              </a:fillRef>
+              <a:effectRef idx="0">
+                <a:schemeClr val="accent1"/>
+              </a:effectRef>
+              <a:fontRef idx="minor">
+                <a:schemeClr val="tx1"/>
+              </a:fontRef>
+            </p:style>
+          </p:cxnSp>
+        </p:grpSp>
+      </p:grpSp>
+      <p:grpSp>
+        <p:nvGrpSpPr>
+          <p:cNvPr id="19" name="Group 18"/>
+          <p:cNvGrpSpPr/>
+          <p:nvPr/>
+        </p:nvGrpSpPr>
+        <p:grpSpPr>
+          <a:xfrm>
+            <a:off x="5570560" y="2813712"/>
+            <a:ext cx="1630870" cy="1312473"/>
+            <a:chOff x="5420435" y="984912"/>
+            <a:chExt cx="1630870" cy="1312473"/>
+          </a:xfrm>
+        </p:grpSpPr>
+        <p:grpSp>
+          <p:nvGrpSpPr>
+            <p:cNvPr id="20" name="Group 17"/>
+            <p:cNvGrpSpPr/>
+            <p:nvPr/>
+          </p:nvGrpSpPr>
+          <p:grpSpPr>
+            <a:xfrm>
+              <a:off x="5420435" y="984912"/>
+              <a:ext cx="684660" cy="1312473"/>
+              <a:chOff x="2047164" y="1091821"/>
+              <a:chExt cx="684660" cy="1312473"/>
+            </a:xfrm>
+          </p:grpSpPr>
+          <p:sp>
+            <p:nvSpPr>
+              <p:cNvPr id="27" name="Rectangle 26"/>
+              <p:cNvSpPr/>
+              <p:nvPr/>
+            </p:nvSpPr>
+            <p:spPr>
+              <a:xfrm>
+                <a:off x="2047164" y="1091821"/>
+                <a:ext cx="682388" cy="368489"/>
+              </a:xfrm>
+              <a:prstGeom prst="rect">
+                <a:avLst/>
+              </a:prstGeom>
+              <a:solidFill>
+                <a:schemeClr val="accent2">
+                  <a:lumMod val="40000"/>
+                  <a:lumOff val="60000"/>
+                </a:schemeClr>
+              </a:solidFill>
+              <a:ln>
+                <a:solidFill>
+                  <a:schemeClr val="tx1"/>
+                </a:solidFill>
+              </a:ln>
+            </p:spPr>
+            <p:style>
+              <a:lnRef idx="2">
+                <a:schemeClr val="accent1">
+                  <a:shade val="50000"/>
+                </a:schemeClr>
+              </a:lnRef>
+              <a:fillRef idx="1">
+                <a:schemeClr val="accent1"/>
+              </a:fillRef>
+              <a:effectRef idx="0">
+                <a:schemeClr val="accent1"/>
+              </a:effectRef>
+              <a:fontRef idx="minor">
+                <a:schemeClr val="lt1"/>
+              </a:fontRef>
+            </p:style>
+            <p:txBody>
+              <a:bodyPr rtlCol="0" anchor="ctr"/>
+              <a:lstStyle/>
+              <a:p>
+                <a:pPr algn="ctr"/>
+                <a:r>
+                  <a:rPr lang="en-CA" b="1" dirty="0" smtClean="0">
+                    <a:solidFill>
+                      <a:schemeClr val="tx1"/>
+                    </a:solidFill>
+                  </a:rPr>
+                  <a:t>N</a:t>
+                </a:r>
+                <a:endParaRPr lang="en-CA" b="1" dirty="0">
+                  <a:solidFill>
+                    <a:schemeClr val="tx1"/>
+                  </a:solidFill>
+                </a:endParaRPr>
+              </a:p>
+            </p:txBody>
+          </p:sp>
+          <p:sp>
+            <p:nvSpPr>
+              <p:cNvPr id="28" name="Rectangle 27"/>
+              <p:cNvSpPr/>
+              <p:nvPr/>
+            </p:nvSpPr>
+            <p:spPr>
+              <a:xfrm>
+                <a:off x="2049436" y="2035805"/>
+                <a:ext cx="682388" cy="368489"/>
+              </a:xfrm>
+              <a:prstGeom prst="rect">
+                <a:avLst/>
+              </a:prstGeom>
+              <a:solidFill>
+                <a:schemeClr val="bg1"/>
+              </a:solidFill>
+              <a:ln>
+                <a:solidFill>
+                  <a:schemeClr val="tx1"/>
+                </a:solidFill>
+              </a:ln>
+            </p:spPr>
+            <p:style>
+              <a:lnRef idx="2">
+                <a:schemeClr val="accent1">
+                  <a:shade val="50000"/>
+                </a:schemeClr>
+              </a:lnRef>
+              <a:fillRef idx="1">
+                <a:schemeClr val="accent1"/>
+              </a:fillRef>
+              <a:effectRef idx="0">
+                <a:schemeClr val="accent1"/>
+              </a:effectRef>
+              <a:fontRef idx="minor">
+                <a:schemeClr val="lt1"/>
+              </a:fontRef>
+            </p:style>
+            <p:txBody>
+              <a:bodyPr rtlCol="0" anchor="ctr"/>
+              <a:lstStyle/>
+              <a:p>
+                <a:pPr algn="ctr"/>
+                <a:r>
+                  <a:rPr lang="en-CA" b="1" dirty="0" smtClean="0">
+                    <a:solidFill>
+                      <a:schemeClr val="tx1"/>
+                    </a:solidFill>
+                  </a:rPr>
+                  <a:t>S</a:t>
+                </a:r>
+                <a:endParaRPr lang="en-CA" b="1" dirty="0">
+                  <a:solidFill>
+                    <a:schemeClr val="tx1"/>
+                  </a:solidFill>
+                </a:endParaRPr>
+              </a:p>
+            </p:txBody>
+          </p:sp>
+          <p:cxnSp>
+            <p:nvCxnSpPr>
+              <p:cNvPr id="29" name="Straight Arrow Connector 28"/>
+              <p:cNvCxnSpPr/>
+              <p:nvPr/>
+            </p:nvCxnSpPr>
+            <p:spPr>
+              <a:xfrm rot="16200000" flipH="1">
+                <a:off x="2422481" y="1767387"/>
+                <a:ext cx="395784" cy="1"/>
+              </a:xfrm>
+              <a:prstGeom prst="straightConnector1">
+                <a:avLst/>
+              </a:prstGeom>
+              <a:ln>
+                <a:solidFill>
+                  <a:srgbClr val="0070C0"/>
+                </a:solidFill>
+                <a:tailEnd type="arrow"/>
+              </a:ln>
+            </p:spPr>
+            <p:style>
+              <a:lnRef idx="1">
+                <a:schemeClr val="accent1"/>
+              </a:lnRef>
+              <a:fillRef idx="0">
+                <a:schemeClr val="accent1"/>
+              </a:fillRef>
+              <a:effectRef idx="0">
+                <a:schemeClr val="accent1"/>
+              </a:effectRef>
+              <a:fontRef idx="minor">
+                <a:schemeClr val="tx1"/>
+              </a:fontRef>
+            </p:style>
+          </p:cxnSp>
+          <p:cxnSp>
+            <p:nvCxnSpPr>
+              <p:cNvPr id="30" name="Straight Arrow Connector 29"/>
+              <p:cNvCxnSpPr/>
+              <p:nvPr/>
+            </p:nvCxnSpPr>
+            <p:spPr>
+              <a:xfrm rot="16200000" flipH="1">
+                <a:off x="2260984" y="1756015"/>
+                <a:ext cx="395784" cy="1"/>
+              </a:xfrm>
+              <a:prstGeom prst="straightConnector1">
+                <a:avLst/>
+              </a:prstGeom>
+              <a:ln>
+                <a:solidFill>
+                  <a:srgbClr val="0070C0"/>
+                </a:solidFill>
+                <a:tailEnd type="arrow"/>
+              </a:ln>
+            </p:spPr>
+            <p:style>
+              <a:lnRef idx="1">
+                <a:schemeClr val="accent1"/>
+              </a:lnRef>
+              <a:fillRef idx="0">
+                <a:schemeClr val="accent1"/>
+              </a:fillRef>
+              <a:effectRef idx="0">
+                <a:schemeClr val="accent1"/>
+              </a:effectRef>
+              <a:fontRef idx="minor">
+                <a:schemeClr val="tx1"/>
+              </a:fontRef>
+            </p:style>
+          </p:cxnSp>
+          <p:cxnSp>
+            <p:nvCxnSpPr>
+              <p:cNvPr id="31" name="Straight Arrow Connector 30"/>
+              <p:cNvCxnSpPr/>
+              <p:nvPr/>
+            </p:nvCxnSpPr>
+            <p:spPr>
+              <a:xfrm rot="16200000" flipH="1">
+                <a:off x="2083563" y="1756015"/>
+                <a:ext cx="395784" cy="1"/>
+              </a:xfrm>
+              <a:prstGeom prst="straightConnector1">
+                <a:avLst/>
+              </a:prstGeom>
+              <a:ln>
+                <a:solidFill>
+                  <a:srgbClr val="0070C0"/>
+                </a:solidFill>
+                <a:tailEnd type="arrow"/>
+              </a:ln>
+            </p:spPr>
+            <p:style>
+              <a:lnRef idx="1">
+                <a:schemeClr val="accent1"/>
+              </a:lnRef>
+              <a:fillRef idx="0">
+                <a:schemeClr val="accent1"/>
+              </a:fillRef>
+              <a:effectRef idx="0">
+                <a:schemeClr val="accent1"/>
+              </a:effectRef>
+              <a:fontRef idx="minor">
+                <a:schemeClr val="tx1"/>
+              </a:fontRef>
+            </p:style>
+          </p:cxnSp>
+          <p:cxnSp>
+            <p:nvCxnSpPr>
+              <p:cNvPr id="32" name="Straight Arrow Connector 31"/>
+              <p:cNvCxnSpPr/>
+              <p:nvPr/>
+            </p:nvCxnSpPr>
+            <p:spPr>
+              <a:xfrm rot="16200000" flipH="1">
+                <a:off x="1919789" y="1756015"/>
+                <a:ext cx="395784" cy="1"/>
+              </a:xfrm>
+              <a:prstGeom prst="straightConnector1">
+                <a:avLst/>
+              </a:prstGeom>
+              <a:ln>
+                <a:solidFill>
+                  <a:srgbClr val="0070C0"/>
+                </a:solidFill>
+                <a:tailEnd type="arrow"/>
+              </a:ln>
+            </p:spPr>
+            <p:style>
+              <a:lnRef idx="1">
+                <a:schemeClr val="accent1"/>
+              </a:lnRef>
+              <a:fillRef idx="0">
+                <a:schemeClr val="accent1"/>
+              </a:fillRef>
+              <a:effectRef idx="0">
+                <a:schemeClr val="accent1"/>
+              </a:effectRef>
+              <a:fontRef idx="minor">
+                <a:schemeClr val="tx1"/>
+              </a:fontRef>
+            </p:style>
+          </p:cxnSp>
+        </p:grpSp>
+        <p:grpSp>
+          <p:nvGrpSpPr>
+            <p:cNvPr id="21" name="Group 28"/>
+            <p:cNvGrpSpPr/>
+            <p:nvPr/>
+          </p:nvGrpSpPr>
+          <p:grpSpPr>
+            <a:xfrm>
+              <a:off x="5636524" y="1414592"/>
+              <a:ext cx="204717" cy="400110"/>
+              <a:chOff x="6619163" y="2874902"/>
+              <a:chExt cx="204717" cy="400110"/>
+            </a:xfrm>
+          </p:grpSpPr>
+          <p:sp>
+            <p:nvSpPr>
+              <p:cNvPr id="25" name="Oval 24"/>
+              <p:cNvSpPr/>
+              <p:nvPr/>
+            </p:nvSpPr>
+            <p:spPr>
+              <a:xfrm>
+                <a:off x="6619163" y="2975212"/>
+                <a:ext cx="204717" cy="218364"/>
+              </a:xfrm>
+              <a:prstGeom prst="ellipse">
+                <a:avLst/>
+              </a:prstGeom>
+              <a:noFill/>
+              <a:ln>
+                <a:solidFill>
+                  <a:schemeClr val="tx1"/>
+                </a:solidFill>
+              </a:ln>
+            </p:spPr>
+            <p:style>
+              <a:lnRef idx="2">
+                <a:schemeClr val="accent1">
+                  <a:shade val="50000"/>
+                </a:schemeClr>
+              </a:lnRef>
+              <a:fillRef idx="1">
+                <a:schemeClr val="accent1"/>
+              </a:fillRef>
+              <a:effectRef idx="0">
+                <a:schemeClr val="accent1"/>
+              </a:effectRef>
+              <a:fontRef idx="minor">
+                <a:schemeClr val="lt1"/>
+              </a:fontRef>
+            </p:style>
+            <p:txBody>
+              <a:bodyPr rtlCol="0" anchor="ctr"/>
+              <a:lstStyle/>
+              <a:p>
+                <a:pPr algn="ctr"/>
+                <a:endParaRPr lang="en-CA" b="1" dirty="0"/>
+              </a:p>
+            </p:txBody>
+          </p:sp>
+          <p:sp>
+            <p:nvSpPr>
+              <p:cNvPr id="26" name="TextBox 25"/>
+              <p:cNvSpPr txBox="1"/>
+              <p:nvPr/>
+            </p:nvSpPr>
+            <p:spPr>
+              <a:xfrm>
+                <a:off x="6632812" y="2874902"/>
+                <a:ext cx="45719" cy="400110"/>
+              </a:xfrm>
+              <a:prstGeom prst="rect">
+                <a:avLst/>
+              </a:prstGeom>
+              <a:noFill/>
+            </p:spPr>
+            <p:txBody>
+              <a:bodyPr wrap="square" rtlCol="0">
+                <a:spAutoFit/>
+              </a:bodyPr>
+              <a:lstStyle/>
+              <a:p>
+                <a:r>
+                  <a:rPr lang="en-CA" sz="2000" dirty="0" smtClean="0"/>
+                  <a:t>x</a:t>
+                </a:r>
+                <a:endParaRPr lang="en-CA" sz="2000" dirty="0"/>
+              </a:p>
+            </p:txBody>
+          </p:sp>
+        </p:grpSp>
+        <p:sp>
+          <p:nvSpPr>
+            <p:cNvPr id="22" name="TextBox 21"/>
+            <p:cNvSpPr txBox="1"/>
+            <p:nvPr/>
+          </p:nvSpPr>
+          <p:spPr>
+            <a:xfrm>
+              <a:off x="6269553" y="1326108"/>
+              <a:ext cx="781752" cy="738664"/>
+            </a:xfrm>
+            <a:prstGeom prst="rect">
+              <a:avLst/>
+            </a:prstGeom>
+            <a:noFill/>
+          </p:spPr>
+          <p:txBody>
+            <a:bodyPr wrap="none" rtlCol="0">
+              <a:spAutoFit/>
+            </a:bodyPr>
+            <a:lstStyle/>
+            <a:p>
+              <a:pPr algn="ctr"/>
+              <a:r>
+                <a:rPr lang="en-CA" sz="1400" b="1" dirty="0" smtClean="0"/>
+                <a:t>Current</a:t>
+              </a:r>
+              <a:r>
+                <a:rPr lang="en-CA" sz="1400" dirty="0" smtClean="0"/>
+                <a:t> </a:t>
+              </a:r>
+              <a:br>
+                <a:rPr lang="en-CA" sz="1400" dirty="0" smtClean="0"/>
+              </a:br>
+              <a:r>
+                <a:rPr lang="en-CA" sz="1400" dirty="0" smtClean="0"/>
+                <a:t>into</a:t>
+              </a:r>
+              <a:br>
+                <a:rPr lang="en-CA" sz="1400" dirty="0" smtClean="0"/>
+              </a:br>
+              <a:r>
+                <a:rPr lang="en-CA" sz="1400" dirty="0" smtClean="0"/>
+                <a:t>Page</a:t>
+              </a:r>
+              <a:endParaRPr lang="en-CA" sz="1400" dirty="0"/>
+            </a:p>
+          </p:txBody>
+        </p:sp>
+      </p:grpSp>
+      <p:grpSp>
+        <p:nvGrpSpPr>
+          <p:cNvPr id="33" name="Group 32"/>
+          <p:cNvGrpSpPr/>
+          <p:nvPr/>
+        </p:nvGrpSpPr>
+        <p:grpSpPr>
+          <a:xfrm>
+            <a:off x="2884218" y="5008729"/>
+            <a:ext cx="2513477" cy="1381541"/>
+            <a:chOff x="1983465" y="4148920"/>
+            <a:chExt cx="2513477" cy="1381541"/>
+          </a:xfrm>
+        </p:grpSpPr>
+        <p:grpSp>
+          <p:nvGrpSpPr>
+            <p:cNvPr id="34" name="Group 32"/>
+            <p:cNvGrpSpPr/>
+            <p:nvPr/>
+          </p:nvGrpSpPr>
+          <p:grpSpPr>
+            <a:xfrm>
+              <a:off x="2879678" y="4148920"/>
+              <a:ext cx="342672" cy="369332"/>
+              <a:chOff x="1173708" y="2920621"/>
+              <a:chExt cx="342672" cy="369332"/>
+            </a:xfrm>
+          </p:grpSpPr>
+          <p:sp>
+            <p:nvSpPr>
+              <p:cNvPr id="46" name="TextBox 45"/>
+              <p:cNvSpPr txBox="1"/>
+              <p:nvPr/>
+            </p:nvSpPr>
+            <p:spPr>
+              <a:xfrm>
+                <a:off x="1241946" y="2920621"/>
+                <a:ext cx="274434" cy="369332"/>
+              </a:xfrm>
+              <a:prstGeom prst="rect">
+                <a:avLst/>
+              </a:prstGeom>
+              <a:noFill/>
+            </p:spPr>
+            <p:txBody>
+              <a:bodyPr wrap="none" rtlCol="0">
+                <a:spAutoFit/>
+              </a:bodyPr>
+              <a:lstStyle/>
+              <a:p>
+                <a:r>
+                  <a:rPr lang="en-CA" b="1" dirty="0" smtClean="0">
+                    <a:latin typeface="Times New Roman" pitchFamily="18" charset="0"/>
+                    <a:cs typeface="Times New Roman" pitchFamily="18" charset="0"/>
+                  </a:rPr>
+                  <a:t>I</a:t>
+                </a:r>
+                <a:endParaRPr lang="en-CA" b="1" dirty="0">
+                  <a:latin typeface="Times New Roman" pitchFamily="18" charset="0"/>
+                  <a:cs typeface="Times New Roman" pitchFamily="18" charset="0"/>
+                </a:endParaRPr>
+              </a:p>
+            </p:txBody>
+          </p:sp>
+          <p:cxnSp>
+            <p:nvCxnSpPr>
+              <p:cNvPr id="47" name="Straight Arrow Connector 46"/>
+              <p:cNvCxnSpPr/>
+              <p:nvPr/>
+            </p:nvCxnSpPr>
+            <p:spPr>
+              <a:xfrm rot="10800000">
+                <a:off x="1173708" y="2934272"/>
+                <a:ext cx="341194" cy="1588"/>
+              </a:xfrm>
+              <a:prstGeom prst="straightConnector1">
+                <a:avLst/>
+              </a:prstGeom>
+              <a:ln>
+                <a:solidFill>
+                  <a:schemeClr val="tx1"/>
+                </a:solidFill>
+                <a:headEnd type="arrow" w="med" len="med"/>
+                <a:tailEnd type="none" w="med" len="med"/>
+              </a:ln>
+            </p:spPr>
+            <p:style>
+              <a:lnRef idx="1">
+                <a:schemeClr val="accent1"/>
+              </a:lnRef>
+              <a:fillRef idx="0">
+                <a:schemeClr val="accent1"/>
+              </a:fillRef>
+              <a:effectRef idx="0">
+                <a:schemeClr val="accent1"/>
+              </a:effectRef>
+              <a:fontRef idx="minor">
+                <a:schemeClr val="tx1"/>
+              </a:fontRef>
+            </p:style>
+          </p:cxnSp>
+        </p:grpSp>
+        <p:sp>
+          <p:nvSpPr>
+            <p:cNvPr id="35" name="Rectangle 34"/>
+            <p:cNvSpPr/>
+            <p:nvPr/>
+          </p:nvSpPr>
+          <p:spPr>
+            <a:xfrm rot="16200000">
+              <a:off x="1826516" y="4599299"/>
+              <a:ext cx="682388" cy="368489"/>
+            </a:xfrm>
+            <a:prstGeom prst="rect">
+              <a:avLst/>
+            </a:prstGeom>
+            <a:solidFill>
+              <a:schemeClr val="accent2">
+                <a:lumMod val="40000"/>
+                <a:lumOff val="60000"/>
+              </a:schemeClr>
+            </a:solidFill>
+            <a:ln>
+              <a:solidFill>
+                <a:schemeClr val="tx1"/>
+              </a:solidFill>
+            </a:ln>
+          </p:spPr>
+          <p:style>
+            <a:lnRef idx="2">
+              <a:schemeClr val="accent1">
+                <a:shade val="50000"/>
+              </a:schemeClr>
+            </a:lnRef>
+            <a:fillRef idx="1">
+              <a:schemeClr val="accent1"/>
+            </a:fillRef>
+            <a:effectRef idx="0">
+              <a:schemeClr val="accent1"/>
+            </a:effectRef>
+            <a:fontRef idx="minor">
+              <a:schemeClr val="lt1"/>
+            </a:fontRef>
+          </p:style>
+          <p:txBody>
+            <a:bodyPr rtlCol="0" anchor="ctr"/>
+            <a:lstStyle/>
+            <a:p>
+              <a:pPr algn="ctr"/>
+              <a:r>
+                <a:rPr lang="en-CA" b="1" dirty="0" smtClean="0">
+                  <a:solidFill>
+                    <a:schemeClr val="tx1"/>
+                  </a:solidFill>
+                </a:rPr>
+                <a:t>N</a:t>
+              </a:r>
+              <a:endParaRPr lang="en-CA" b="1" dirty="0">
+                <a:solidFill>
+                  <a:schemeClr val="tx1"/>
+                </a:solidFill>
+              </a:endParaRPr>
+            </a:p>
+          </p:txBody>
+        </p:sp>
+        <p:sp>
+          <p:nvSpPr>
+            <p:cNvPr id="36" name="Rectangle 35"/>
+            <p:cNvSpPr/>
+            <p:nvPr/>
+          </p:nvSpPr>
+          <p:spPr>
+            <a:xfrm rot="16200000">
+              <a:off x="3971504" y="4610675"/>
+              <a:ext cx="682388" cy="368489"/>
+            </a:xfrm>
+            <a:prstGeom prst="rect">
+              <a:avLst/>
+            </a:prstGeom>
+            <a:solidFill>
+              <a:schemeClr val="bg1"/>
+            </a:solidFill>
+            <a:ln>
+              <a:solidFill>
+                <a:schemeClr val="tx1"/>
+              </a:solidFill>
+            </a:ln>
+          </p:spPr>
+          <p:style>
+            <a:lnRef idx="2">
+              <a:schemeClr val="accent1">
+                <a:shade val="50000"/>
+              </a:schemeClr>
+            </a:lnRef>
+            <a:fillRef idx="1">
+              <a:schemeClr val="accent1"/>
+            </a:fillRef>
+            <a:effectRef idx="0">
+              <a:schemeClr val="accent1"/>
+            </a:effectRef>
+            <a:fontRef idx="minor">
+              <a:schemeClr val="lt1"/>
+            </a:fontRef>
+          </p:style>
+          <p:txBody>
+            <a:bodyPr rtlCol="0" anchor="ctr"/>
+            <a:lstStyle/>
+            <a:p>
+              <a:pPr algn="ctr"/>
+              <a:r>
+                <a:rPr lang="en-CA" b="1" dirty="0" smtClean="0">
+                  <a:solidFill>
+                    <a:schemeClr val="tx1"/>
+                  </a:solidFill>
+                </a:rPr>
+                <a:t>S</a:t>
+              </a:r>
+              <a:endParaRPr lang="en-CA" b="1" dirty="0">
+                <a:solidFill>
+                  <a:schemeClr val="tx1"/>
+                </a:solidFill>
+              </a:endParaRPr>
+            </a:p>
+          </p:txBody>
+        </p:sp>
+        <p:cxnSp>
+          <p:nvCxnSpPr>
+            <p:cNvPr id="37" name="Straight Arrow Connector 36"/>
+            <p:cNvCxnSpPr/>
+            <p:nvPr/>
+          </p:nvCxnSpPr>
+          <p:spPr>
+            <a:xfrm>
+              <a:off x="2447493" y="4537883"/>
+              <a:ext cx="1510359" cy="34117"/>
+            </a:xfrm>
+            <a:prstGeom prst="straightConnector1">
+              <a:avLst/>
+            </a:prstGeom>
+            <a:ln>
+              <a:solidFill>
+                <a:srgbClr val="0070C0"/>
+              </a:solidFill>
+              <a:tailEnd type="arrow"/>
+            </a:ln>
+          </p:spPr>
+          <p:style>
+            <a:lnRef idx="1">
+              <a:schemeClr val="accent1"/>
+            </a:lnRef>
+            <a:fillRef idx="0">
+              <a:schemeClr val="accent1"/>
+            </a:fillRef>
+            <a:effectRef idx="0">
+              <a:schemeClr val="accent1"/>
+            </a:effectRef>
+            <a:fontRef idx="minor">
+              <a:schemeClr val="tx1"/>
+            </a:fontRef>
+          </p:style>
+        </p:cxnSp>
+        <p:cxnSp>
+          <p:nvCxnSpPr>
+            <p:cNvPr id="38" name="Straight Arrow Connector 37"/>
+            <p:cNvCxnSpPr/>
+            <p:nvPr/>
+          </p:nvCxnSpPr>
+          <p:spPr>
+            <a:xfrm>
+              <a:off x="2449768" y="4713027"/>
+              <a:ext cx="1508083" cy="22746"/>
+            </a:xfrm>
+            <a:prstGeom prst="straightConnector1">
+              <a:avLst/>
+            </a:prstGeom>
+            <a:ln>
+              <a:solidFill>
+                <a:srgbClr val="0070C0"/>
+              </a:solidFill>
+              <a:tailEnd type="arrow"/>
+            </a:ln>
+          </p:spPr>
+          <p:style>
+            <a:lnRef idx="1">
+              <a:schemeClr val="accent1"/>
+            </a:lnRef>
+            <a:fillRef idx="0">
+              <a:schemeClr val="accent1"/>
+            </a:fillRef>
+            <a:effectRef idx="0">
+              <a:schemeClr val="accent1"/>
+            </a:effectRef>
+            <a:fontRef idx="minor">
+              <a:schemeClr val="tx1"/>
+            </a:fontRef>
+          </p:style>
+        </p:cxnSp>
+        <p:cxnSp>
+          <p:nvCxnSpPr>
+            <p:cNvPr id="39" name="Straight Arrow Connector 38"/>
+            <p:cNvCxnSpPr/>
+            <p:nvPr/>
+          </p:nvCxnSpPr>
+          <p:spPr>
+            <a:xfrm>
+              <a:off x="2449768" y="4890448"/>
+              <a:ext cx="1494435" cy="9098"/>
+            </a:xfrm>
+            <a:prstGeom prst="straightConnector1">
+              <a:avLst/>
+            </a:prstGeom>
+            <a:ln>
+              <a:solidFill>
+                <a:srgbClr val="0070C0"/>
+              </a:solidFill>
+              <a:tailEnd type="arrow"/>
+            </a:ln>
+          </p:spPr>
+          <p:style>
+            <a:lnRef idx="1">
+              <a:schemeClr val="accent1"/>
+            </a:lnRef>
+            <a:fillRef idx="0">
+              <a:schemeClr val="accent1"/>
+            </a:fillRef>
+            <a:effectRef idx="0">
+              <a:schemeClr val="accent1"/>
+            </a:effectRef>
+            <a:fontRef idx="minor">
+              <a:schemeClr val="tx1"/>
+            </a:fontRef>
+          </p:style>
+        </p:cxnSp>
+        <p:cxnSp>
+          <p:nvCxnSpPr>
+            <p:cNvPr id="40" name="Straight Arrow Connector 39"/>
+            <p:cNvCxnSpPr/>
+            <p:nvPr/>
+          </p:nvCxnSpPr>
+          <p:spPr>
+            <a:xfrm>
+              <a:off x="2449768" y="5054222"/>
+              <a:ext cx="1508083" cy="9097"/>
+            </a:xfrm>
+            <a:prstGeom prst="straightConnector1">
+              <a:avLst/>
+            </a:prstGeom>
+            <a:ln>
+              <a:solidFill>
+                <a:srgbClr val="0070C0"/>
+              </a:solidFill>
+              <a:tailEnd type="arrow"/>
+            </a:ln>
+          </p:spPr>
+          <p:style>
+            <a:lnRef idx="1">
+              <a:schemeClr val="accent1"/>
+            </a:lnRef>
+            <a:fillRef idx="0">
+              <a:schemeClr val="accent1"/>
+            </a:fillRef>
+            <a:effectRef idx="0">
+              <a:schemeClr val="accent1"/>
+            </a:effectRef>
+            <a:fontRef idx="minor">
+              <a:schemeClr val="tx1"/>
+            </a:fontRef>
+          </p:style>
+        </p:cxnSp>
+        <p:cxnSp>
+          <p:nvCxnSpPr>
+            <p:cNvPr id="41" name="Straight Connector 40"/>
+            <p:cNvCxnSpPr/>
+            <p:nvPr/>
+          </p:nvCxnSpPr>
+          <p:spPr>
+            <a:xfrm>
+              <a:off x="2552131" y="4804012"/>
+              <a:ext cx="1296538" cy="1"/>
+            </a:xfrm>
+            <a:prstGeom prst="line">
+              <a:avLst/>
+            </a:prstGeom>
+            <a:ln w="38100">
+              <a:solidFill>
+                <a:schemeClr val="tx1"/>
+              </a:solidFill>
+            </a:ln>
+          </p:spPr>
+          <p:style>
+            <a:lnRef idx="1">
+              <a:schemeClr val="accent1"/>
+            </a:lnRef>
+            <a:fillRef idx="0">
+              <a:schemeClr val="accent1"/>
+            </a:fillRef>
+            <a:effectRef idx="0">
+              <a:schemeClr val="accent1"/>
+            </a:effectRef>
+            <a:fontRef idx="minor">
+              <a:schemeClr val="tx1"/>
+            </a:fontRef>
+          </p:style>
+        </p:cxnSp>
+        <p:grpSp>
+          <p:nvGrpSpPr>
+            <p:cNvPr id="42" name="Group 71"/>
+            <p:cNvGrpSpPr/>
+            <p:nvPr/>
+          </p:nvGrpSpPr>
+          <p:grpSpPr>
+            <a:xfrm>
+              <a:off x="2963839" y="5161129"/>
+              <a:ext cx="406792" cy="369332"/>
+              <a:chOff x="1173708" y="2920621"/>
+              <a:chExt cx="406792" cy="369332"/>
+            </a:xfrm>
+          </p:grpSpPr>
+          <p:sp>
+            <p:nvSpPr>
+              <p:cNvPr id="44" name="TextBox 43"/>
+              <p:cNvSpPr txBox="1"/>
+              <p:nvPr/>
+            </p:nvSpPr>
+            <p:spPr>
+              <a:xfrm>
+                <a:off x="1241946" y="2920621"/>
+                <a:ext cx="338554" cy="369332"/>
+              </a:xfrm>
+              <a:prstGeom prst="rect">
+                <a:avLst/>
+              </a:prstGeom>
+              <a:noFill/>
+            </p:spPr>
+            <p:txBody>
+              <a:bodyPr wrap="none" rtlCol="0">
+                <a:spAutoFit/>
+              </a:bodyPr>
+              <a:lstStyle/>
+              <a:p>
+                <a:r>
+                  <a:rPr lang="en-CA" b="1" dirty="0" smtClean="0">
+                    <a:latin typeface="Times New Roman" pitchFamily="18" charset="0"/>
+                    <a:cs typeface="Times New Roman" pitchFamily="18" charset="0"/>
+                  </a:rPr>
+                  <a:t>B</a:t>
+                </a:r>
+                <a:endParaRPr lang="en-CA" b="1" dirty="0">
+                  <a:latin typeface="Times New Roman" pitchFamily="18" charset="0"/>
+                  <a:cs typeface="Times New Roman" pitchFamily="18" charset="0"/>
+                </a:endParaRPr>
+              </a:p>
+            </p:txBody>
+          </p:sp>
+          <p:cxnSp>
+            <p:nvCxnSpPr>
+              <p:cNvPr id="45" name="Straight Arrow Connector 44"/>
+              <p:cNvCxnSpPr/>
+              <p:nvPr/>
+            </p:nvCxnSpPr>
+            <p:spPr>
+              <a:xfrm rot="10800000">
+                <a:off x="1173708" y="2934272"/>
+                <a:ext cx="341194" cy="1588"/>
+              </a:xfrm>
+              <a:prstGeom prst="straightConnector1">
+                <a:avLst/>
+              </a:prstGeom>
+              <a:ln>
+                <a:solidFill>
+                  <a:schemeClr val="tx1"/>
+                </a:solidFill>
+                <a:headEnd type="arrow" w="med" len="med"/>
+                <a:tailEnd type="none" w="med" len="med"/>
+              </a:ln>
+            </p:spPr>
+            <p:style>
+              <a:lnRef idx="1">
+                <a:schemeClr val="accent1"/>
+              </a:lnRef>
+              <a:fillRef idx="0">
+                <a:schemeClr val="accent1"/>
+              </a:fillRef>
+              <a:effectRef idx="0">
+                <a:schemeClr val="accent1"/>
+              </a:effectRef>
+              <a:fontRef idx="minor">
+                <a:schemeClr val="tx1"/>
+              </a:fontRef>
+            </p:style>
+          </p:cxnSp>
+        </p:grpSp>
+      </p:grpSp>
+    </p:spTree>
+    <p:extLst>
+      <p:ext uri="{BB962C8B-B14F-4D97-AF65-F5344CB8AC3E}">
+        <p14:creationId xmlns:p14="http://schemas.microsoft.com/office/powerpoint/2010/main" val="518297579"/>
+      </p:ext>
+    </p:extLst>
+  </p:cSld>
+  <p:clrMapOvr>
+    <a:masterClrMapping/>
+  </p:clrMapOvr>
+  <p:timing>
+    <p:tnLst>
+      <p:par>
+        <p:cTn id="1" dur="indefinite" restart="never" nodeType="tmRoot">
+          <p:childTnLst>
+            <p:seq concurrent="1" nextAc="seek">
+              <p:cTn id="2" dur="indefinite" nodeType="mainSeq">
+                <p:childTnLst>
+                  <p:par>
+                    <p:cTn id="3" fill="hold">
+                      <p:stCondLst>
+                        <p:cond delay="indefinite"/>
+                      </p:stCondLst>
+                      <p:childTnLst>
+                        <p:par>
+                          <p:cTn id="4" fill="hold">
+                            <p:stCondLst>
+                              <p:cond delay="0"/>
+                            </p:stCondLst>
+                            <p:childTnLst>
+                              <p:par>
+                                <p:cTn id="5" presetID="1" presetClass="entr" presetSubtype="0" fill="hold" grpId="0" nodeType="clickEffect">
+                                  <p:stCondLst>
+                                    <p:cond delay="0"/>
+                                  </p:stCondLst>
+                                  <p:childTnLst>
+                                    <p:set>
+                                      <p:cBhvr>
+                                        <p:cTn id="6" dur="1" fill="hold">
+                                          <p:stCondLst>
+                                            <p:cond delay="0"/>
+                                          </p:stCondLst>
+                                        </p:cTn>
+                                        <p:tgtEl>
+                                          <p:spTgt spid="3">
+                                            <p:txEl>
+                                              <p:pRg st="4" end="4"/>
+                                            </p:txEl>
+                                          </p:spTgt>
+                                        </p:tgtEl>
+                                        <p:attrNameLst>
+                                          <p:attrName>style.visibility</p:attrName>
+                                        </p:attrNameLst>
+                                      </p:cBhvr>
+                                      <p:to>
+                                        <p:strVal val="visible"/>
+                                      </p:to>
+                                    </p:set>
+                                  </p:childTnLst>
+                                </p:cTn>
+                              </p:par>
+                              <p:par>
+                                <p:cTn id="7" presetID="1" presetClass="entr" presetSubtype="0" fill="hold" nodeType="withEffect">
+                                  <p:stCondLst>
+                                    <p:cond delay="0"/>
+                                  </p:stCondLst>
+                                  <p:childTnLst>
+                                    <p:set>
+                                      <p:cBhvr>
+                                        <p:cTn id="8" dur="1" fill="hold">
+                                          <p:stCondLst>
+                                            <p:cond delay="0"/>
+                                          </p:stCondLst>
+                                        </p:cTn>
+                                        <p:tgtEl>
+                                          <p:spTgt spid="33"/>
+                                        </p:tgtEl>
+                                        <p:attrNameLst>
+                                          <p:attrName>style.visibility</p:attrName>
+                                        </p:attrNameLst>
+                                      </p:cBhvr>
+                                      <p:to>
+                                        <p:strVal val="visible"/>
+                                      </p:to>
+                                    </p:set>
+                                  </p:childTnLst>
+                                </p:cTn>
+                              </p:par>
+                            </p:childTnLst>
+                          </p:cTn>
+                        </p:par>
+                      </p:childTnLst>
+                    </p:cTn>
+                  </p:par>
+                </p:childTnLst>
+              </p:cTn>
+              <p:prevCondLst>
+                <p:cond evt="onPrev" delay="0">
+                  <p:tgtEl>
+                    <p:sldTgt/>
+                  </p:tgtEl>
+                </p:cond>
+              </p:prevCondLst>
+              <p:nextCondLst>
+                <p:cond evt="onNext" delay="0">
+                  <p:tgtEl>
+                    <p:sldTgt/>
+                  </p:tgtEl>
+                </p:cond>
+              </p:nextCondLst>
+            </p:seq>
+          </p:childTnLst>
+        </p:cTn>
+      </p:par>
+    </p:tnLst>
+    <p:bldLst>
+      <p:bldP spid="3" grpId="0" build="p"/>
+    </p:bldLst>
+  </p:timing>
+</p:sld>
+</file>
+
+<file path=ppt/slides/slide9.xml><?xml version="1.0" encoding="utf-8"?>
 <p:sld xmlns:a="http://schemas.openxmlformats.org/drawingml/2006/main" xmlns:r="http://schemas.openxmlformats.org/officeDocument/2006/relationships" xmlns:p="http://schemas.openxmlformats.org/presentationml/2006/main">
   <p:cSld>
     <p:spTree>
@@ -11961,1580 +13557,6 @@
 </p:sld>
 </file>
 
-<file path=ppt/slides/slide9.xml><?xml version="1.0" encoding="utf-8"?>
-<p:sld xmlns:a="http://schemas.openxmlformats.org/drawingml/2006/main" xmlns:r="http://schemas.openxmlformats.org/officeDocument/2006/relationships" xmlns:p="http://schemas.openxmlformats.org/presentationml/2006/main">
-  <p:cSld>
-    <p:spTree>
-      <p:nvGrpSpPr>
-        <p:cNvPr id="1" name=""/>
-        <p:cNvGrpSpPr/>
-        <p:nvPr/>
-      </p:nvGrpSpPr>
-      <p:grpSpPr>
-        <a:xfrm>
-          <a:off x="0" y="0"/>
-          <a:ext cx="0" cy="0"/>
-          <a:chOff x="0" y="0"/>
-          <a:chExt cx="0" cy="0"/>
-        </a:xfrm>
-      </p:grpSpPr>
-      <p:sp>
-        <p:nvSpPr>
-          <p:cNvPr id="2" name="Title 1"/>
-          <p:cNvSpPr>
-            <a:spLocks noGrp="1"/>
-          </p:cNvSpPr>
-          <p:nvPr>
-            <p:ph type="title"/>
-          </p:nvPr>
-        </p:nvSpPr>
-        <p:spPr/>
-        <p:txBody>
-          <a:bodyPr/>
-          <a:lstStyle/>
-          <a:p>
-            <a:r>
-              <a:rPr lang="en-CA" dirty="0" smtClean="0"/>
-              <a:t>Force on a Wire</a:t>
-            </a:r>
-            <a:endParaRPr lang="en-CA" dirty="0"/>
-          </a:p>
-        </p:txBody>
-      </p:sp>
-      <p:sp>
-        <p:nvSpPr>
-          <p:cNvPr id="3" name="Content Placeholder 2"/>
-          <p:cNvSpPr>
-            <a:spLocks noGrp="1"/>
-          </p:cNvSpPr>
-          <p:nvPr>
-            <p:ph idx="1"/>
-          </p:nvPr>
-        </p:nvSpPr>
-        <p:spPr/>
-        <p:txBody>
-          <a:bodyPr>
-            <a:normAutofit/>
-          </a:bodyPr>
-          <a:lstStyle/>
-          <a:p>
-            <a:r>
-              <a:rPr lang="en-CA" sz="2400" dirty="0" smtClean="0"/>
-              <a:t>When a current-carrying conductor is in an external magnetic field, but is </a:t>
-            </a:r>
-            <a:r>
-              <a:rPr lang="en-CA" sz="2400" b="1" dirty="0" smtClean="0"/>
-              <a:t>not parallel </a:t>
-            </a:r>
-            <a:r>
-              <a:rPr lang="en-CA" sz="2400" dirty="0" smtClean="0"/>
-              <a:t>to the field, it experiences a magnetic force.</a:t>
-            </a:r>
-          </a:p>
-          <a:p>
-            <a:endParaRPr lang="en-CA" sz="2800" dirty="0" smtClean="0"/>
-          </a:p>
-          <a:p>
-            <a:endParaRPr lang="en-CA" sz="2800" dirty="0" smtClean="0"/>
-          </a:p>
-          <a:p>
-            <a:endParaRPr lang="en-CA" sz="2800" dirty="0" smtClean="0"/>
-          </a:p>
-          <a:p>
-            <a:r>
-              <a:rPr lang="en-CA" sz="2400" b="1" dirty="0" smtClean="0"/>
-              <a:t>Note</a:t>
-            </a:r>
-            <a:r>
-              <a:rPr lang="en-CA" sz="2400" dirty="0" smtClean="0"/>
-              <a:t>: When the conductor is parallel to the field there is </a:t>
-            </a:r>
-            <a:br>
-              <a:rPr lang="en-CA" sz="2400" dirty="0" smtClean="0"/>
-            </a:br>
-            <a:r>
-              <a:rPr lang="en-CA" sz="2400" b="1" dirty="0" smtClean="0"/>
-              <a:t>no force</a:t>
-            </a:r>
-            <a:r>
-              <a:rPr lang="en-CA" sz="2400" dirty="0" smtClean="0"/>
-              <a:t>.</a:t>
-            </a:r>
-            <a:endParaRPr lang="en-CA" sz="2400" dirty="0"/>
-          </a:p>
-        </p:txBody>
-      </p:sp>
-      <p:grpSp>
-        <p:nvGrpSpPr>
-          <p:cNvPr id="4" name="Group 3"/>
-          <p:cNvGrpSpPr/>
-          <p:nvPr/>
-        </p:nvGrpSpPr>
-        <p:grpSpPr>
-          <a:xfrm>
-            <a:off x="1692324" y="2770496"/>
-            <a:ext cx="1310185" cy="1312473"/>
-            <a:chOff x="1514902" y="1091821"/>
-            <a:chExt cx="1310185" cy="1312473"/>
-          </a:xfrm>
-        </p:grpSpPr>
-        <p:grpSp>
-          <p:nvGrpSpPr>
-            <p:cNvPr id="5" name="Group 16"/>
-            <p:cNvGrpSpPr/>
-            <p:nvPr/>
-          </p:nvGrpSpPr>
-          <p:grpSpPr>
-            <a:xfrm>
-              <a:off x="2047164" y="1091821"/>
-              <a:ext cx="684660" cy="1312473"/>
-              <a:chOff x="2047164" y="1091821"/>
-              <a:chExt cx="684660" cy="1312473"/>
-            </a:xfrm>
-          </p:grpSpPr>
-          <p:sp>
-            <p:nvSpPr>
-              <p:cNvPr id="13" name="Rectangle 12"/>
-              <p:cNvSpPr/>
-              <p:nvPr/>
-            </p:nvSpPr>
-            <p:spPr>
-              <a:xfrm>
-                <a:off x="2047164" y="1091821"/>
-                <a:ext cx="682388" cy="368489"/>
-              </a:xfrm>
-              <a:prstGeom prst="rect">
-                <a:avLst/>
-              </a:prstGeom>
-              <a:solidFill>
-                <a:schemeClr val="accent2">
-                  <a:lumMod val="40000"/>
-                  <a:lumOff val="60000"/>
-                </a:schemeClr>
-              </a:solidFill>
-              <a:ln>
-                <a:solidFill>
-                  <a:schemeClr val="tx1"/>
-                </a:solidFill>
-              </a:ln>
-            </p:spPr>
-            <p:style>
-              <a:lnRef idx="2">
-                <a:schemeClr val="accent1">
-                  <a:shade val="50000"/>
-                </a:schemeClr>
-              </a:lnRef>
-              <a:fillRef idx="1">
-                <a:schemeClr val="accent1"/>
-              </a:fillRef>
-              <a:effectRef idx="0">
-                <a:schemeClr val="accent1"/>
-              </a:effectRef>
-              <a:fontRef idx="minor">
-                <a:schemeClr val="lt1"/>
-              </a:fontRef>
-            </p:style>
-            <p:txBody>
-              <a:bodyPr rtlCol="0" anchor="ctr"/>
-              <a:lstStyle/>
-              <a:p>
-                <a:pPr algn="ctr"/>
-                <a:r>
-                  <a:rPr lang="en-CA" b="1" dirty="0" smtClean="0">
-                    <a:solidFill>
-                      <a:schemeClr val="tx1"/>
-                    </a:solidFill>
-                  </a:rPr>
-                  <a:t>N</a:t>
-                </a:r>
-                <a:endParaRPr lang="en-CA" b="1" dirty="0">
-                  <a:solidFill>
-                    <a:schemeClr val="tx1"/>
-                  </a:solidFill>
-                </a:endParaRPr>
-              </a:p>
-            </p:txBody>
-          </p:sp>
-          <p:sp>
-            <p:nvSpPr>
-              <p:cNvPr id="14" name="Rectangle 4"/>
-              <p:cNvSpPr/>
-              <p:nvPr/>
-            </p:nvSpPr>
-            <p:spPr>
-              <a:xfrm>
-                <a:off x="2049436" y="2035805"/>
-                <a:ext cx="682388" cy="368489"/>
-              </a:xfrm>
-              <a:prstGeom prst="rect">
-                <a:avLst/>
-              </a:prstGeom>
-              <a:solidFill>
-                <a:schemeClr val="bg1"/>
-              </a:solidFill>
-              <a:ln>
-                <a:solidFill>
-                  <a:schemeClr val="tx1"/>
-                </a:solidFill>
-              </a:ln>
-            </p:spPr>
-            <p:style>
-              <a:lnRef idx="2">
-                <a:schemeClr val="accent1">
-                  <a:shade val="50000"/>
-                </a:schemeClr>
-              </a:lnRef>
-              <a:fillRef idx="1">
-                <a:schemeClr val="accent1"/>
-              </a:fillRef>
-              <a:effectRef idx="0">
-                <a:schemeClr val="accent1"/>
-              </a:effectRef>
-              <a:fontRef idx="minor">
-                <a:schemeClr val="lt1"/>
-              </a:fontRef>
-            </p:style>
-            <p:txBody>
-              <a:bodyPr rtlCol="0" anchor="ctr"/>
-              <a:lstStyle/>
-              <a:p>
-                <a:pPr algn="ctr"/>
-                <a:r>
-                  <a:rPr lang="en-CA" b="1" dirty="0" smtClean="0">
-                    <a:solidFill>
-                      <a:schemeClr val="tx1"/>
-                    </a:solidFill>
-                  </a:rPr>
-                  <a:t>S</a:t>
-                </a:r>
-                <a:endParaRPr lang="en-CA" b="1" dirty="0">
-                  <a:solidFill>
-                    <a:schemeClr val="tx1"/>
-                  </a:solidFill>
-                </a:endParaRPr>
-              </a:p>
-            </p:txBody>
-          </p:sp>
-          <p:cxnSp>
-            <p:nvCxnSpPr>
-              <p:cNvPr id="15" name="Straight Arrow Connector 14"/>
-              <p:cNvCxnSpPr/>
-              <p:nvPr/>
-            </p:nvCxnSpPr>
-            <p:spPr>
-              <a:xfrm rot="16200000" flipH="1">
-                <a:off x="2422481" y="1767387"/>
-                <a:ext cx="395784" cy="1"/>
-              </a:xfrm>
-              <a:prstGeom prst="straightConnector1">
-                <a:avLst/>
-              </a:prstGeom>
-              <a:ln>
-                <a:solidFill>
-                  <a:srgbClr val="0070C0"/>
-                </a:solidFill>
-                <a:tailEnd type="arrow"/>
-              </a:ln>
-            </p:spPr>
-            <p:style>
-              <a:lnRef idx="1">
-                <a:schemeClr val="accent1"/>
-              </a:lnRef>
-              <a:fillRef idx="0">
-                <a:schemeClr val="accent1"/>
-              </a:fillRef>
-              <a:effectRef idx="0">
-                <a:schemeClr val="accent1"/>
-              </a:effectRef>
-              <a:fontRef idx="minor">
-                <a:schemeClr val="tx1"/>
-              </a:fontRef>
-            </p:style>
-          </p:cxnSp>
-          <p:cxnSp>
-            <p:nvCxnSpPr>
-              <p:cNvPr id="16" name="Straight Arrow Connector 15"/>
-              <p:cNvCxnSpPr/>
-              <p:nvPr/>
-            </p:nvCxnSpPr>
-            <p:spPr>
-              <a:xfrm rot="16200000" flipH="1">
-                <a:off x="2260984" y="1756015"/>
-                <a:ext cx="395784" cy="1"/>
-              </a:xfrm>
-              <a:prstGeom prst="straightConnector1">
-                <a:avLst/>
-              </a:prstGeom>
-              <a:ln>
-                <a:solidFill>
-                  <a:srgbClr val="0070C0"/>
-                </a:solidFill>
-                <a:tailEnd type="arrow"/>
-              </a:ln>
-            </p:spPr>
-            <p:style>
-              <a:lnRef idx="1">
-                <a:schemeClr val="accent1"/>
-              </a:lnRef>
-              <a:fillRef idx="0">
-                <a:schemeClr val="accent1"/>
-              </a:fillRef>
-              <a:effectRef idx="0">
-                <a:schemeClr val="accent1"/>
-              </a:effectRef>
-              <a:fontRef idx="minor">
-                <a:schemeClr val="tx1"/>
-              </a:fontRef>
-            </p:style>
-          </p:cxnSp>
-          <p:cxnSp>
-            <p:nvCxnSpPr>
-              <p:cNvPr id="17" name="Straight Arrow Connector 16"/>
-              <p:cNvCxnSpPr/>
-              <p:nvPr/>
-            </p:nvCxnSpPr>
-            <p:spPr>
-              <a:xfrm rot="16200000" flipH="1">
-                <a:off x="2083563" y="1756015"/>
-                <a:ext cx="395784" cy="1"/>
-              </a:xfrm>
-              <a:prstGeom prst="straightConnector1">
-                <a:avLst/>
-              </a:prstGeom>
-              <a:ln>
-                <a:solidFill>
-                  <a:srgbClr val="0070C0"/>
-                </a:solidFill>
-                <a:tailEnd type="arrow"/>
-              </a:ln>
-            </p:spPr>
-            <p:style>
-              <a:lnRef idx="1">
-                <a:schemeClr val="accent1"/>
-              </a:lnRef>
-              <a:fillRef idx="0">
-                <a:schemeClr val="accent1"/>
-              </a:fillRef>
-              <a:effectRef idx="0">
-                <a:schemeClr val="accent1"/>
-              </a:effectRef>
-              <a:fontRef idx="minor">
-                <a:schemeClr val="tx1"/>
-              </a:fontRef>
-            </p:style>
-          </p:cxnSp>
-          <p:cxnSp>
-            <p:nvCxnSpPr>
-              <p:cNvPr id="18" name="Straight Arrow Connector 17"/>
-              <p:cNvCxnSpPr/>
-              <p:nvPr/>
-            </p:nvCxnSpPr>
-            <p:spPr>
-              <a:xfrm rot="16200000" flipH="1">
-                <a:off x="1919789" y="1756015"/>
-                <a:ext cx="395784" cy="1"/>
-              </a:xfrm>
-              <a:prstGeom prst="straightConnector1">
-                <a:avLst/>
-              </a:prstGeom>
-              <a:ln>
-                <a:solidFill>
-                  <a:srgbClr val="0070C0"/>
-                </a:solidFill>
-                <a:tailEnd type="arrow"/>
-              </a:ln>
-            </p:spPr>
-            <p:style>
-              <a:lnRef idx="1">
-                <a:schemeClr val="accent1"/>
-              </a:lnRef>
-              <a:fillRef idx="0">
-                <a:schemeClr val="accent1"/>
-              </a:fillRef>
-              <a:effectRef idx="0">
-                <a:schemeClr val="accent1"/>
-              </a:effectRef>
-              <a:fontRef idx="minor">
-                <a:schemeClr val="tx1"/>
-              </a:fontRef>
-            </p:style>
-          </p:cxnSp>
-        </p:grpSp>
-        <p:cxnSp>
-          <p:nvCxnSpPr>
-            <p:cNvPr id="6" name="Straight Connector 5"/>
-            <p:cNvCxnSpPr/>
-            <p:nvPr/>
-          </p:nvCxnSpPr>
-          <p:spPr>
-            <a:xfrm>
-              <a:off x="1978926" y="1719618"/>
-              <a:ext cx="846161" cy="0"/>
-            </a:xfrm>
-            <a:prstGeom prst="line">
-              <a:avLst/>
-            </a:prstGeom>
-            <a:ln w="38100">
-              <a:solidFill>
-                <a:schemeClr val="tx1"/>
-              </a:solidFill>
-            </a:ln>
-          </p:spPr>
-          <p:style>
-            <a:lnRef idx="1">
-              <a:schemeClr val="accent1"/>
-            </a:lnRef>
-            <a:fillRef idx="0">
-              <a:schemeClr val="accent1"/>
-            </a:fillRef>
-            <a:effectRef idx="0">
-              <a:schemeClr val="accent1"/>
-            </a:effectRef>
-            <a:fontRef idx="minor">
-              <a:schemeClr val="tx1"/>
-            </a:fontRef>
-          </p:style>
-        </p:cxnSp>
-        <p:grpSp>
-          <p:nvGrpSpPr>
-            <p:cNvPr id="7" name="Group 32"/>
-            <p:cNvGrpSpPr/>
-            <p:nvPr/>
-          </p:nvGrpSpPr>
-          <p:grpSpPr>
-            <a:xfrm>
-              <a:off x="1514902" y="1542197"/>
-              <a:ext cx="342672" cy="369332"/>
-              <a:chOff x="1173708" y="2920621"/>
-              <a:chExt cx="342672" cy="369332"/>
-            </a:xfrm>
-          </p:grpSpPr>
-          <p:sp>
-            <p:nvSpPr>
-              <p:cNvPr id="11" name="TextBox 10"/>
-              <p:cNvSpPr txBox="1"/>
-              <p:nvPr/>
-            </p:nvSpPr>
-            <p:spPr>
-              <a:xfrm>
-                <a:off x="1241946" y="2920621"/>
-                <a:ext cx="274434" cy="369332"/>
-              </a:xfrm>
-              <a:prstGeom prst="rect">
-                <a:avLst/>
-              </a:prstGeom>
-              <a:noFill/>
-            </p:spPr>
-            <p:txBody>
-              <a:bodyPr wrap="none" rtlCol="0">
-                <a:spAutoFit/>
-              </a:bodyPr>
-              <a:lstStyle/>
-              <a:p>
-                <a:r>
-                  <a:rPr lang="en-CA" b="1" dirty="0" smtClean="0">
-                    <a:latin typeface="Times New Roman" pitchFamily="18" charset="0"/>
-                    <a:cs typeface="Times New Roman" pitchFamily="18" charset="0"/>
-                  </a:rPr>
-                  <a:t>I</a:t>
-                </a:r>
-                <a:endParaRPr lang="en-CA" b="1" dirty="0">
-                  <a:latin typeface="Times New Roman" pitchFamily="18" charset="0"/>
-                  <a:cs typeface="Times New Roman" pitchFamily="18" charset="0"/>
-                </a:endParaRPr>
-              </a:p>
-            </p:txBody>
-          </p:sp>
-          <p:cxnSp>
-            <p:nvCxnSpPr>
-              <p:cNvPr id="12" name="Straight Arrow Connector 11"/>
-              <p:cNvCxnSpPr/>
-              <p:nvPr/>
-            </p:nvCxnSpPr>
-            <p:spPr>
-              <a:xfrm rot="10800000">
-                <a:off x="1173708" y="2934272"/>
-                <a:ext cx="341194" cy="1588"/>
-              </a:xfrm>
-              <a:prstGeom prst="straightConnector1">
-                <a:avLst/>
-              </a:prstGeom>
-              <a:ln>
-                <a:solidFill>
-                  <a:schemeClr val="tx1"/>
-                </a:solidFill>
-                <a:tailEnd type="arrow"/>
-              </a:ln>
-            </p:spPr>
-            <p:style>
-              <a:lnRef idx="1">
-                <a:schemeClr val="accent1"/>
-              </a:lnRef>
-              <a:fillRef idx="0">
-                <a:schemeClr val="accent1"/>
-              </a:fillRef>
-              <a:effectRef idx="0">
-                <a:schemeClr val="accent1"/>
-              </a:effectRef>
-              <a:fontRef idx="minor">
-                <a:schemeClr val="tx1"/>
-              </a:fontRef>
-            </p:style>
-          </p:cxnSp>
-        </p:grpSp>
-      </p:grpSp>
-      <p:grpSp>
-        <p:nvGrpSpPr>
-          <p:cNvPr id="19" name="Group 18"/>
-          <p:cNvGrpSpPr/>
-          <p:nvPr/>
-        </p:nvGrpSpPr>
-        <p:grpSpPr>
-          <a:xfrm>
-            <a:off x="5570560" y="2813712"/>
-            <a:ext cx="1630870" cy="1312473"/>
-            <a:chOff x="5420435" y="984912"/>
-            <a:chExt cx="1630870" cy="1312473"/>
-          </a:xfrm>
-        </p:grpSpPr>
-        <p:grpSp>
-          <p:nvGrpSpPr>
-            <p:cNvPr id="20" name="Group 17"/>
-            <p:cNvGrpSpPr/>
-            <p:nvPr/>
-          </p:nvGrpSpPr>
-          <p:grpSpPr>
-            <a:xfrm>
-              <a:off x="5420435" y="984912"/>
-              <a:ext cx="684660" cy="1312473"/>
-              <a:chOff x="2047164" y="1091821"/>
-              <a:chExt cx="684660" cy="1312473"/>
-            </a:xfrm>
-          </p:grpSpPr>
-          <p:sp>
-            <p:nvSpPr>
-              <p:cNvPr id="27" name="Rectangle 26"/>
-              <p:cNvSpPr/>
-              <p:nvPr/>
-            </p:nvSpPr>
-            <p:spPr>
-              <a:xfrm>
-                <a:off x="2047164" y="1091821"/>
-                <a:ext cx="682388" cy="368489"/>
-              </a:xfrm>
-              <a:prstGeom prst="rect">
-                <a:avLst/>
-              </a:prstGeom>
-              <a:solidFill>
-                <a:schemeClr val="accent2">
-                  <a:lumMod val="40000"/>
-                  <a:lumOff val="60000"/>
-                </a:schemeClr>
-              </a:solidFill>
-              <a:ln>
-                <a:solidFill>
-                  <a:schemeClr val="tx1"/>
-                </a:solidFill>
-              </a:ln>
-            </p:spPr>
-            <p:style>
-              <a:lnRef idx="2">
-                <a:schemeClr val="accent1">
-                  <a:shade val="50000"/>
-                </a:schemeClr>
-              </a:lnRef>
-              <a:fillRef idx="1">
-                <a:schemeClr val="accent1"/>
-              </a:fillRef>
-              <a:effectRef idx="0">
-                <a:schemeClr val="accent1"/>
-              </a:effectRef>
-              <a:fontRef idx="minor">
-                <a:schemeClr val="lt1"/>
-              </a:fontRef>
-            </p:style>
-            <p:txBody>
-              <a:bodyPr rtlCol="0" anchor="ctr"/>
-              <a:lstStyle/>
-              <a:p>
-                <a:pPr algn="ctr"/>
-                <a:r>
-                  <a:rPr lang="en-CA" b="1" dirty="0" smtClean="0">
-                    <a:solidFill>
-                      <a:schemeClr val="tx1"/>
-                    </a:solidFill>
-                  </a:rPr>
-                  <a:t>N</a:t>
-                </a:r>
-                <a:endParaRPr lang="en-CA" b="1" dirty="0">
-                  <a:solidFill>
-                    <a:schemeClr val="tx1"/>
-                  </a:solidFill>
-                </a:endParaRPr>
-              </a:p>
-            </p:txBody>
-          </p:sp>
-          <p:sp>
-            <p:nvSpPr>
-              <p:cNvPr id="28" name="Rectangle 27"/>
-              <p:cNvSpPr/>
-              <p:nvPr/>
-            </p:nvSpPr>
-            <p:spPr>
-              <a:xfrm>
-                <a:off x="2049436" y="2035805"/>
-                <a:ext cx="682388" cy="368489"/>
-              </a:xfrm>
-              <a:prstGeom prst="rect">
-                <a:avLst/>
-              </a:prstGeom>
-              <a:solidFill>
-                <a:schemeClr val="bg1"/>
-              </a:solidFill>
-              <a:ln>
-                <a:solidFill>
-                  <a:schemeClr val="tx1"/>
-                </a:solidFill>
-              </a:ln>
-            </p:spPr>
-            <p:style>
-              <a:lnRef idx="2">
-                <a:schemeClr val="accent1">
-                  <a:shade val="50000"/>
-                </a:schemeClr>
-              </a:lnRef>
-              <a:fillRef idx="1">
-                <a:schemeClr val="accent1"/>
-              </a:fillRef>
-              <a:effectRef idx="0">
-                <a:schemeClr val="accent1"/>
-              </a:effectRef>
-              <a:fontRef idx="minor">
-                <a:schemeClr val="lt1"/>
-              </a:fontRef>
-            </p:style>
-            <p:txBody>
-              <a:bodyPr rtlCol="0" anchor="ctr"/>
-              <a:lstStyle/>
-              <a:p>
-                <a:pPr algn="ctr"/>
-                <a:r>
-                  <a:rPr lang="en-CA" b="1" dirty="0" smtClean="0">
-                    <a:solidFill>
-                      <a:schemeClr val="tx1"/>
-                    </a:solidFill>
-                  </a:rPr>
-                  <a:t>S</a:t>
-                </a:r>
-                <a:endParaRPr lang="en-CA" b="1" dirty="0">
-                  <a:solidFill>
-                    <a:schemeClr val="tx1"/>
-                  </a:solidFill>
-                </a:endParaRPr>
-              </a:p>
-            </p:txBody>
-          </p:sp>
-          <p:cxnSp>
-            <p:nvCxnSpPr>
-              <p:cNvPr id="29" name="Straight Arrow Connector 28"/>
-              <p:cNvCxnSpPr/>
-              <p:nvPr/>
-            </p:nvCxnSpPr>
-            <p:spPr>
-              <a:xfrm rot="16200000" flipH="1">
-                <a:off x="2422481" y="1767387"/>
-                <a:ext cx="395784" cy="1"/>
-              </a:xfrm>
-              <a:prstGeom prst="straightConnector1">
-                <a:avLst/>
-              </a:prstGeom>
-              <a:ln>
-                <a:solidFill>
-                  <a:srgbClr val="0070C0"/>
-                </a:solidFill>
-                <a:tailEnd type="arrow"/>
-              </a:ln>
-            </p:spPr>
-            <p:style>
-              <a:lnRef idx="1">
-                <a:schemeClr val="accent1"/>
-              </a:lnRef>
-              <a:fillRef idx="0">
-                <a:schemeClr val="accent1"/>
-              </a:fillRef>
-              <a:effectRef idx="0">
-                <a:schemeClr val="accent1"/>
-              </a:effectRef>
-              <a:fontRef idx="minor">
-                <a:schemeClr val="tx1"/>
-              </a:fontRef>
-            </p:style>
-          </p:cxnSp>
-          <p:cxnSp>
-            <p:nvCxnSpPr>
-              <p:cNvPr id="30" name="Straight Arrow Connector 29"/>
-              <p:cNvCxnSpPr/>
-              <p:nvPr/>
-            </p:nvCxnSpPr>
-            <p:spPr>
-              <a:xfrm rot="16200000" flipH="1">
-                <a:off x="2260984" y="1756015"/>
-                <a:ext cx="395784" cy="1"/>
-              </a:xfrm>
-              <a:prstGeom prst="straightConnector1">
-                <a:avLst/>
-              </a:prstGeom>
-              <a:ln>
-                <a:solidFill>
-                  <a:srgbClr val="0070C0"/>
-                </a:solidFill>
-                <a:tailEnd type="arrow"/>
-              </a:ln>
-            </p:spPr>
-            <p:style>
-              <a:lnRef idx="1">
-                <a:schemeClr val="accent1"/>
-              </a:lnRef>
-              <a:fillRef idx="0">
-                <a:schemeClr val="accent1"/>
-              </a:fillRef>
-              <a:effectRef idx="0">
-                <a:schemeClr val="accent1"/>
-              </a:effectRef>
-              <a:fontRef idx="minor">
-                <a:schemeClr val="tx1"/>
-              </a:fontRef>
-            </p:style>
-          </p:cxnSp>
-          <p:cxnSp>
-            <p:nvCxnSpPr>
-              <p:cNvPr id="31" name="Straight Arrow Connector 30"/>
-              <p:cNvCxnSpPr/>
-              <p:nvPr/>
-            </p:nvCxnSpPr>
-            <p:spPr>
-              <a:xfrm rot="16200000" flipH="1">
-                <a:off x="2083563" y="1756015"/>
-                <a:ext cx="395784" cy="1"/>
-              </a:xfrm>
-              <a:prstGeom prst="straightConnector1">
-                <a:avLst/>
-              </a:prstGeom>
-              <a:ln>
-                <a:solidFill>
-                  <a:srgbClr val="0070C0"/>
-                </a:solidFill>
-                <a:tailEnd type="arrow"/>
-              </a:ln>
-            </p:spPr>
-            <p:style>
-              <a:lnRef idx="1">
-                <a:schemeClr val="accent1"/>
-              </a:lnRef>
-              <a:fillRef idx="0">
-                <a:schemeClr val="accent1"/>
-              </a:fillRef>
-              <a:effectRef idx="0">
-                <a:schemeClr val="accent1"/>
-              </a:effectRef>
-              <a:fontRef idx="minor">
-                <a:schemeClr val="tx1"/>
-              </a:fontRef>
-            </p:style>
-          </p:cxnSp>
-          <p:cxnSp>
-            <p:nvCxnSpPr>
-              <p:cNvPr id="32" name="Straight Arrow Connector 31"/>
-              <p:cNvCxnSpPr/>
-              <p:nvPr/>
-            </p:nvCxnSpPr>
-            <p:spPr>
-              <a:xfrm rot="16200000" flipH="1">
-                <a:off x="1919789" y="1756015"/>
-                <a:ext cx="395784" cy="1"/>
-              </a:xfrm>
-              <a:prstGeom prst="straightConnector1">
-                <a:avLst/>
-              </a:prstGeom>
-              <a:ln>
-                <a:solidFill>
-                  <a:srgbClr val="0070C0"/>
-                </a:solidFill>
-                <a:tailEnd type="arrow"/>
-              </a:ln>
-            </p:spPr>
-            <p:style>
-              <a:lnRef idx="1">
-                <a:schemeClr val="accent1"/>
-              </a:lnRef>
-              <a:fillRef idx="0">
-                <a:schemeClr val="accent1"/>
-              </a:fillRef>
-              <a:effectRef idx="0">
-                <a:schemeClr val="accent1"/>
-              </a:effectRef>
-              <a:fontRef idx="minor">
-                <a:schemeClr val="tx1"/>
-              </a:fontRef>
-            </p:style>
-          </p:cxnSp>
-        </p:grpSp>
-        <p:grpSp>
-          <p:nvGrpSpPr>
-            <p:cNvPr id="21" name="Group 28"/>
-            <p:cNvGrpSpPr/>
-            <p:nvPr/>
-          </p:nvGrpSpPr>
-          <p:grpSpPr>
-            <a:xfrm>
-              <a:off x="5636524" y="1414592"/>
-              <a:ext cx="204717" cy="400110"/>
-              <a:chOff x="6619163" y="2874902"/>
-              <a:chExt cx="204717" cy="400110"/>
-            </a:xfrm>
-          </p:grpSpPr>
-          <p:sp>
-            <p:nvSpPr>
-              <p:cNvPr id="25" name="Oval 24"/>
-              <p:cNvSpPr/>
-              <p:nvPr/>
-            </p:nvSpPr>
-            <p:spPr>
-              <a:xfrm>
-                <a:off x="6619163" y="2975212"/>
-                <a:ext cx="204717" cy="218364"/>
-              </a:xfrm>
-              <a:prstGeom prst="ellipse">
-                <a:avLst/>
-              </a:prstGeom>
-              <a:noFill/>
-              <a:ln>
-                <a:solidFill>
-                  <a:schemeClr val="tx1"/>
-                </a:solidFill>
-              </a:ln>
-            </p:spPr>
-            <p:style>
-              <a:lnRef idx="2">
-                <a:schemeClr val="accent1">
-                  <a:shade val="50000"/>
-                </a:schemeClr>
-              </a:lnRef>
-              <a:fillRef idx="1">
-                <a:schemeClr val="accent1"/>
-              </a:fillRef>
-              <a:effectRef idx="0">
-                <a:schemeClr val="accent1"/>
-              </a:effectRef>
-              <a:fontRef idx="minor">
-                <a:schemeClr val="lt1"/>
-              </a:fontRef>
-            </p:style>
-            <p:txBody>
-              <a:bodyPr rtlCol="0" anchor="ctr"/>
-              <a:lstStyle/>
-              <a:p>
-                <a:pPr algn="ctr"/>
-                <a:endParaRPr lang="en-CA" b="1" dirty="0"/>
-              </a:p>
-            </p:txBody>
-          </p:sp>
-          <p:sp>
-            <p:nvSpPr>
-              <p:cNvPr id="26" name="TextBox 25"/>
-              <p:cNvSpPr txBox="1"/>
-              <p:nvPr/>
-            </p:nvSpPr>
-            <p:spPr>
-              <a:xfrm>
-                <a:off x="6632812" y="2874902"/>
-                <a:ext cx="45719" cy="400110"/>
-              </a:xfrm>
-              <a:prstGeom prst="rect">
-                <a:avLst/>
-              </a:prstGeom>
-              <a:noFill/>
-            </p:spPr>
-            <p:txBody>
-              <a:bodyPr wrap="square" rtlCol="0">
-                <a:spAutoFit/>
-              </a:bodyPr>
-              <a:lstStyle/>
-              <a:p>
-                <a:r>
-                  <a:rPr lang="en-CA" sz="2000" dirty="0" smtClean="0"/>
-                  <a:t>x</a:t>
-                </a:r>
-                <a:endParaRPr lang="en-CA" sz="2000" dirty="0"/>
-              </a:p>
-            </p:txBody>
-          </p:sp>
-        </p:grpSp>
-        <p:sp>
-          <p:nvSpPr>
-            <p:cNvPr id="22" name="TextBox 21"/>
-            <p:cNvSpPr txBox="1"/>
-            <p:nvPr/>
-          </p:nvSpPr>
-          <p:spPr>
-            <a:xfrm>
-              <a:off x="6269553" y="1326108"/>
-              <a:ext cx="781752" cy="738664"/>
-            </a:xfrm>
-            <a:prstGeom prst="rect">
-              <a:avLst/>
-            </a:prstGeom>
-            <a:noFill/>
-          </p:spPr>
-          <p:txBody>
-            <a:bodyPr wrap="none" rtlCol="0">
-              <a:spAutoFit/>
-            </a:bodyPr>
-            <a:lstStyle/>
-            <a:p>
-              <a:pPr algn="ctr"/>
-              <a:r>
-                <a:rPr lang="en-CA" sz="1400" b="1" dirty="0" smtClean="0"/>
-                <a:t>Current</a:t>
-              </a:r>
-              <a:r>
-                <a:rPr lang="en-CA" sz="1400" dirty="0" smtClean="0"/>
-                <a:t> </a:t>
-              </a:r>
-              <a:br>
-                <a:rPr lang="en-CA" sz="1400" dirty="0" smtClean="0"/>
-              </a:br>
-              <a:r>
-                <a:rPr lang="en-CA" sz="1400" dirty="0" smtClean="0"/>
-                <a:t>into</a:t>
-              </a:r>
-              <a:br>
-                <a:rPr lang="en-CA" sz="1400" dirty="0" smtClean="0"/>
-              </a:br>
-              <a:r>
-                <a:rPr lang="en-CA" sz="1400" dirty="0" smtClean="0"/>
-                <a:t>Page</a:t>
-              </a:r>
-              <a:endParaRPr lang="en-CA" sz="1400" dirty="0"/>
-            </a:p>
-          </p:txBody>
-        </p:sp>
-      </p:grpSp>
-      <p:grpSp>
-        <p:nvGrpSpPr>
-          <p:cNvPr id="33" name="Group 32"/>
-          <p:cNvGrpSpPr/>
-          <p:nvPr/>
-        </p:nvGrpSpPr>
-        <p:grpSpPr>
-          <a:xfrm>
-            <a:off x="2884218" y="5008729"/>
-            <a:ext cx="2513477" cy="1381541"/>
-            <a:chOff x="1983465" y="4148920"/>
-            <a:chExt cx="2513477" cy="1381541"/>
-          </a:xfrm>
-        </p:grpSpPr>
-        <p:grpSp>
-          <p:nvGrpSpPr>
-            <p:cNvPr id="34" name="Group 32"/>
-            <p:cNvGrpSpPr/>
-            <p:nvPr/>
-          </p:nvGrpSpPr>
-          <p:grpSpPr>
-            <a:xfrm>
-              <a:off x="2879678" y="4148920"/>
-              <a:ext cx="342672" cy="369332"/>
-              <a:chOff x="1173708" y="2920621"/>
-              <a:chExt cx="342672" cy="369332"/>
-            </a:xfrm>
-          </p:grpSpPr>
-          <p:sp>
-            <p:nvSpPr>
-              <p:cNvPr id="46" name="TextBox 45"/>
-              <p:cNvSpPr txBox="1"/>
-              <p:nvPr/>
-            </p:nvSpPr>
-            <p:spPr>
-              <a:xfrm>
-                <a:off x="1241946" y="2920621"/>
-                <a:ext cx="274434" cy="369332"/>
-              </a:xfrm>
-              <a:prstGeom prst="rect">
-                <a:avLst/>
-              </a:prstGeom>
-              <a:noFill/>
-            </p:spPr>
-            <p:txBody>
-              <a:bodyPr wrap="none" rtlCol="0">
-                <a:spAutoFit/>
-              </a:bodyPr>
-              <a:lstStyle/>
-              <a:p>
-                <a:r>
-                  <a:rPr lang="en-CA" b="1" dirty="0" smtClean="0">
-                    <a:latin typeface="Times New Roman" pitchFamily="18" charset="0"/>
-                    <a:cs typeface="Times New Roman" pitchFamily="18" charset="0"/>
-                  </a:rPr>
-                  <a:t>I</a:t>
-                </a:r>
-                <a:endParaRPr lang="en-CA" b="1" dirty="0">
-                  <a:latin typeface="Times New Roman" pitchFamily="18" charset="0"/>
-                  <a:cs typeface="Times New Roman" pitchFamily="18" charset="0"/>
-                </a:endParaRPr>
-              </a:p>
-            </p:txBody>
-          </p:sp>
-          <p:cxnSp>
-            <p:nvCxnSpPr>
-              <p:cNvPr id="47" name="Straight Arrow Connector 46"/>
-              <p:cNvCxnSpPr/>
-              <p:nvPr/>
-            </p:nvCxnSpPr>
-            <p:spPr>
-              <a:xfrm rot="10800000">
-                <a:off x="1173708" y="2934272"/>
-                <a:ext cx="341194" cy="1588"/>
-              </a:xfrm>
-              <a:prstGeom prst="straightConnector1">
-                <a:avLst/>
-              </a:prstGeom>
-              <a:ln>
-                <a:solidFill>
-                  <a:schemeClr val="tx1"/>
-                </a:solidFill>
-                <a:headEnd type="arrow" w="med" len="med"/>
-                <a:tailEnd type="none" w="med" len="med"/>
-              </a:ln>
-            </p:spPr>
-            <p:style>
-              <a:lnRef idx="1">
-                <a:schemeClr val="accent1"/>
-              </a:lnRef>
-              <a:fillRef idx="0">
-                <a:schemeClr val="accent1"/>
-              </a:fillRef>
-              <a:effectRef idx="0">
-                <a:schemeClr val="accent1"/>
-              </a:effectRef>
-              <a:fontRef idx="minor">
-                <a:schemeClr val="tx1"/>
-              </a:fontRef>
-            </p:style>
-          </p:cxnSp>
-        </p:grpSp>
-        <p:sp>
-          <p:nvSpPr>
-            <p:cNvPr id="35" name="Rectangle 34"/>
-            <p:cNvSpPr/>
-            <p:nvPr/>
-          </p:nvSpPr>
-          <p:spPr>
-            <a:xfrm rot="16200000">
-              <a:off x="1826516" y="4599299"/>
-              <a:ext cx="682388" cy="368489"/>
-            </a:xfrm>
-            <a:prstGeom prst="rect">
-              <a:avLst/>
-            </a:prstGeom>
-            <a:solidFill>
-              <a:schemeClr val="accent2">
-                <a:lumMod val="40000"/>
-                <a:lumOff val="60000"/>
-              </a:schemeClr>
-            </a:solidFill>
-            <a:ln>
-              <a:solidFill>
-                <a:schemeClr val="tx1"/>
-              </a:solidFill>
-            </a:ln>
-          </p:spPr>
-          <p:style>
-            <a:lnRef idx="2">
-              <a:schemeClr val="accent1">
-                <a:shade val="50000"/>
-              </a:schemeClr>
-            </a:lnRef>
-            <a:fillRef idx="1">
-              <a:schemeClr val="accent1"/>
-            </a:fillRef>
-            <a:effectRef idx="0">
-              <a:schemeClr val="accent1"/>
-            </a:effectRef>
-            <a:fontRef idx="minor">
-              <a:schemeClr val="lt1"/>
-            </a:fontRef>
-          </p:style>
-          <p:txBody>
-            <a:bodyPr rtlCol="0" anchor="ctr"/>
-            <a:lstStyle/>
-            <a:p>
-              <a:pPr algn="ctr"/>
-              <a:r>
-                <a:rPr lang="en-CA" b="1" dirty="0" smtClean="0">
-                  <a:solidFill>
-                    <a:schemeClr val="tx1"/>
-                  </a:solidFill>
-                </a:rPr>
-                <a:t>N</a:t>
-              </a:r>
-              <a:endParaRPr lang="en-CA" b="1" dirty="0">
-                <a:solidFill>
-                  <a:schemeClr val="tx1"/>
-                </a:solidFill>
-              </a:endParaRPr>
-            </a:p>
-          </p:txBody>
-        </p:sp>
-        <p:sp>
-          <p:nvSpPr>
-            <p:cNvPr id="36" name="Rectangle 35"/>
-            <p:cNvSpPr/>
-            <p:nvPr/>
-          </p:nvSpPr>
-          <p:spPr>
-            <a:xfrm rot="16200000">
-              <a:off x="3971504" y="4610675"/>
-              <a:ext cx="682388" cy="368489"/>
-            </a:xfrm>
-            <a:prstGeom prst="rect">
-              <a:avLst/>
-            </a:prstGeom>
-            <a:solidFill>
-              <a:schemeClr val="bg1"/>
-            </a:solidFill>
-            <a:ln>
-              <a:solidFill>
-                <a:schemeClr val="tx1"/>
-              </a:solidFill>
-            </a:ln>
-          </p:spPr>
-          <p:style>
-            <a:lnRef idx="2">
-              <a:schemeClr val="accent1">
-                <a:shade val="50000"/>
-              </a:schemeClr>
-            </a:lnRef>
-            <a:fillRef idx="1">
-              <a:schemeClr val="accent1"/>
-            </a:fillRef>
-            <a:effectRef idx="0">
-              <a:schemeClr val="accent1"/>
-            </a:effectRef>
-            <a:fontRef idx="minor">
-              <a:schemeClr val="lt1"/>
-            </a:fontRef>
-          </p:style>
-          <p:txBody>
-            <a:bodyPr rtlCol="0" anchor="ctr"/>
-            <a:lstStyle/>
-            <a:p>
-              <a:pPr algn="ctr"/>
-              <a:r>
-                <a:rPr lang="en-CA" b="1" dirty="0" smtClean="0">
-                  <a:solidFill>
-                    <a:schemeClr val="tx1"/>
-                  </a:solidFill>
-                </a:rPr>
-                <a:t>S</a:t>
-              </a:r>
-              <a:endParaRPr lang="en-CA" b="1" dirty="0">
-                <a:solidFill>
-                  <a:schemeClr val="tx1"/>
-                </a:solidFill>
-              </a:endParaRPr>
-            </a:p>
-          </p:txBody>
-        </p:sp>
-        <p:cxnSp>
-          <p:nvCxnSpPr>
-            <p:cNvPr id="37" name="Straight Arrow Connector 36"/>
-            <p:cNvCxnSpPr/>
-            <p:nvPr/>
-          </p:nvCxnSpPr>
-          <p:spPr>
-            <a:xfrm>
-              <a:off x="2447493" y="4537883"/>
-              <a:ext cx="1510359" cy="34117"/>
-            </a:xfrm>
-            <a:prstGeom prst="straightConnector1">
-              <a:avLst/>
-            </a:prstGeom>
-            <a:ln>
-              <a:solidFill>
-                <a:srgbClr val="0070C0"/>
-              </a:solidFill>
-              <a:tailEnd type="arrow"/>
-            </a:ln>
-          </p:spPr>
-          <p:style>
-            <a:lnRef idx="1">
-              <a:schemeClr val="accent1"/>
-            </a:lnRef>
-            <a:fillRef idx="0">
-              <a:schemeClr val="accent1"/>
-            </a:fillRef>
-            <a:effectRef idx="0">
-              <a:schemeClr val="accent1"/>
-            </a:effectRef>
-            <a:fontRef idx="minor">
-              <a:schemeClr val="tx1"/>
-            </a:fontRef>
-          </p:style>
-        </p:cxnSp>
-        <p:cxnSp>
-          <p:nvCxnSpPr>
-            <p:cNvPr id="38" name="Straight Arrow Connector 37"/>
-            <p:cNvCxnSpPr/>
-            <p:nvPr/>
-          </p:nvCxnSpPr>
-          <p:spPr>
-            <a:xfrm>
-              <a:off x="2449768" y="4713027"/>
-              <a:ext cx="1508083" cy="22746"/>
-            </a:xfrm>
-            <a:prstGeom prst="straightConnector1">
-              <a:avLst/>
-            </a:prstGeom>
-            <a:ln>
-              <a:solidFill>
-                <a:srgbClr val="0070C0"/>
-              </a:solidFill>
-              <a:tailEnd type="arrow"/>
-            </a:ln>
-          </p:spPr>
-          <p:style>
-            <a:lnRef idx="1">
-              <a:schemeClr val="accent1"/>
-            </a:lnRef>
-            <a:fillRef idx="0">
-              <a:schemeClr val="accent1"/>
-            </a:fillRef>
-            <a:effectRef idx="0">
-              <a:schemeClr val="accent1"/>
-            </a:effectRef>
-            <a:fontRef idx="minor">
-              <a:schemeClr val="tx1"/>
-            </a:fontRef>
-          </p:style>
-        </p:cxnSp>
-        <p:cxnSp>
-          <p:nvCxnSpPr>
-            <p:cNvPr id="39" name="Straight Arrow Connector 38"/>
-            <p:cNvCxnSpPr/>
-            <p:nvPr/>
-          </p:nvCxnSpPr>
-          <p:spPr>
-            <a:xfrm>
-              <a:off x="2449768" y="4890448"/>
-              <a:ext cx="1494435" cy="9098"/>
-            </a:xfrm>
-            <a:prstGeom prst="straightConnector1">
-              <a:avLst/>
-            </a:prstGeom>
-            <a:ln>
-              <a:solidFill>
-                <a:srgbClr val="0070C0"/>
-              </a:solidFill>
-              <a:tailEnd type="arrow"/>
-            </a:ln>
-          </p:spPr>
-          <p:style>
-            <a:lnRef idx="1">
-              <a:schemeClr val="accent1"/>
-            </a:lnRef>
-            <a:fillRef idx="0">
-              <a:schemeClr val="accent1"/>
-            </a:fillRef>
-            <a:effectRef idx="0">
-              <a:schemeClr val="accent1"/>
-            </a:effectRef>
-            <a:fontRef idx="minor">
-              <a:schemeClr val="tx1"/>
-            </a:fontRef>
-          </p:style>
-        </p:cxnSp>
-        <p:cxnSp>
-          <p:nvCxnSpPr>
-            <p:cNvPr id="40" name="Straight Arrow Connector 39"/>
-            <p:cNvCxnSpPr/>
-            <p:nvPr/>
-          </p:nvCxnSpPr>
-          <p:spPr>
-            <a:xfrm>
-              <a:off x="2449768" y="5054222"/>
-              <a:ext cx="1508083" cy="9097"/>
-            </a:xfrm>
-            <a:prstGeom prst="straightConnector1">
-              <a:avLst/>
-            </a:prstGeom>
-            <a:ln>
-              <a:solidFill>
-                <a:srgbClr val="0070C0"/>
-              </a:solidFill>
-              <a:tailEnd type="arrow"/>
-            </a:ln>
-          </p:spPr>
-          <p:style>
-            <a:lnRef idx="1">
-              <a:schemeClr val="accent1"/>
-            </a:lnRef>
-            <a:fillRef idx="0">
-              <a:schemeClr val="accent1"/>
-            </a:fillRef>
-            <a:effectRef idx="0">
-              <a:schemeClr val="accent1"/>
-            </a:effectRef>
-            <a:fontRef idx="minor">
-              <a:schemeClr val="tx1"/>
-            </a:fontRef>
-          </p:style>
-        </p:cxnSp>
-        <p:cxnSp>
-          <p:nvCxnSpPr>
-            <p:cNvPr id="41" name="Straight Connector 40"/>
-            <p:cNvCxnSpPr/>
-            <p:nvPr/>
-          </p:nvCxnSpPr>
-          <p:spPr>
-            <a:xfrm>
-              <a:off x="2552131" y="4804012"/>
-              <a:ext cx="1296538" cy="1"/>
-            </a:xfrm>
-            <a:prstGeom prst="line">
-              <a:avLst/>
-            </a:prstGeom>
-            <a:ln w="38100">
-              <a:solidFill>
-                <a:schemeClr val="tx1"/>
-              </a:solidFill>
-            </a:ln>
-          </p:spPr>
-          <p:style>
-            <a:lnRef idx="1">
-              <a:schemeClr val="accent1"/>
-            </a:lnRef>
-            <a:fillRef idx="0">
-              <a:schemeClr val="accent1"/>
-            </a:fillRef>
-            <a:effectRef idx="0">
-              <a:schemeClr val="accent1"/>
-            </a:effectRef>
-            <a:fontRef idx="minor">
-              <a:schemeClr val="tx1"/>
-            </a:fontRef>
-          </p:style>
-        </p:cxnSp>
-        <p:grpSp>
-          <p:nvGrpSpPr>
-            <p:cNvPr id="42" name="Group 71"/>
-            <p:cNvGrpSpPr/>
-            <p:nvPr/>
-          </p:nvGrpSpPr>
-          <p:grpSpPr>
-            <a:xfrm>
-              <a:off x="2963839" y="5161129"/>
-              <a:ext cx="406792" cy="369332"/>
-              <a:chOff x="1173708" y="2920621"/>
-              <a:chExt cx="406792" cy="369332"/>
-            </a:xfrm>
-          </p:grpSpPr>
-          <p:sp>
-            <p:nvSpPr>
-              <p:cNvPr id="44" name="TextBox 43"/>
-              <p:cNvSpPr txBox="1"/>
-              <p:nvPr/>
-            </p:nvSpPr>
-            <p:spPr>
-              <a:xfrm>
-                <a:off x="1241946" y="2920621"/>
-                <a:ext cx="338554" cy="369332"/>
-              </a:xfrm>
-              <a:prstGeom prst="rect">
-                <a:avLst/>
-              </a:prstGeom>
-              <a:noFill/>
-            </p:spPr>
-            <p:txBody>
-              <a:bodyPr wrap="none" rtlCol="0">
-                <a:spAutoFit/>
-              </a:bodyPr>
-              <a:lstStyle/>
-              <a:p>
-                <a:r>
-                  <a:rPr lang="en-CA" b="1" dirty="0" smtClean="0">
-                    <a:latin typeface="Times New Roman" pitchFamily="18" charset="0"/>
-                    <a:cs typeface="Times New Roman" pitchFamily="18" charset="0"/>
-                  </a:rPr>
-                  <a:t>B</a:t>
-                </a:r>
-                <a:endParaRPr lang="en-CA" b="1" dirty="0">
-                  <a:latin typeface="Times New Roman" pitchFamily="18" charset="0"/>
-                  <a:cs typeface="Times New Roman" pitchFamily="18" charset="0"/>
-                </a:endParaRPr>
-              </a:p>
-            </p:txBody>
-          </p:sp>
-          <p:cxnSp>
-            <p:nvCxnSpPr>
-              <p:cNvPr id="45" name="Straight Arrow Connector 44"/>
-              <p:cNvCxnSpPr/>
-              <p:nvPr/>
-            </p:nvCxnSpPr>
-            <p:spPr>
-              <a:xfrm rot="10800000">
-                <a:off x="1173708" y="2934272"/>
-                <a:ext cx="341194" cy="1588"/>
-              </a:xfrm>
-              <a:prstGeom prst="straightConnector1">
-                <a:avLst/>
-              </a:prstGeom>
-              <a:ln>
-                <a:solidFill>
-                  <a:schemeClr val="tx1"/>
-                </a:solidFill>
-                <a:headEnd type="arrow" w="med" len="med"/>
-                <a:tailEnd type="none" w="med" len="med"/>
-              </a:ln>
-            </p:spPr>
-            <p:style>
-              <a:lnRef idx="1">
-                <a:schemeClr val="accent1"/>
-              </a:lnRef>
-              <a:fillRef idx="0">
-                <a:schemeClr val="accent1"/>
-              </a:fillRef>
-              <a:effectRef idx="0">
-                <a:schemeClr val="accent1"/>
-              </a:effectRef>
-              <a:fontRef idx="minor">
-                <a:schemeClr val="tx1"/>
-              </a:fontRef>
-            </p:style>
-          </p:cxnSp>
-        </p:grpSp>
-      </p:grpSp>
-    </p:spTree>
-    <p:extLst>
-      <p:ext uri="{BB962C8B-B14F-4D97-AF65-F5344CB8AC3E}">
-        <p14:creationId xmlns:p14="http://schemas.microsoft.com/office/powerpoint/2010/main" val="518297579"/>
-      </p:ext>
-    </p:extLst>
-  </p:cSld>
-  <p:clrMapOvr>
-    <a:masterClrMapping/>
-  </p:clrMapOvr>
-  <p:timing>
-    <p:tnLst>
-      <p:par>
-        <p:cTn id="1" dur="indefinite" restart="never" nodeType="tmRoot">
-          <p:childTnLst>
-            <p:seq concurrent="1" nextAc="seek">
-              <p:cTn id="2" dur="indefinite" nodeType="mainSeq">
-                <p:childTnLst>
-                  <p:par>
-                    <p:cTn id="3" fill="hold">
-                      <p:stCondLst>
-                        <p:cond delay="indefinite"/>
-                      </p:stCondLst>
-                      <p:childTnLst>
-                        <p:par>
-                          <p:cTn id="4" fill="hold">
-                            <p:stCondLst>
-                              <p:cond delay="0"/>
-                            </p:stCondLst>
-                            <p:childTnLst>
-                              <p:par>
-                                <p:cTn id="5" presetID="1" presetClass="entr" presetSubtype="0" fill="hold" grpId="0" nodeType="clickEffect">
-                                  <p:stCondLst>
-                                    <p:cond delay="0"/>
-                                  </p:stCondLst>
-                                  <p:childTnLst>
-                                    <p:set>
-                                      <p:cBhvr>
-                                        <p:cTn id="6" dur="1" fill="hold">
-                                          <p:stCondLst>
-                                            <p:cond delay="0"/>
-                                          </p:stCondLst>
-                                        </p:cTn>
-                                        <p:tgtEl>
-                                          <p:spTgt spid="3">
-                                            <p:txEl>
-                                              <p:pRg st="4" end="4"/>
-                                            </p:txEl>
-                                          </p:spTgt>
-                                        </p:tgtEl>
-                                        <p:attrNameLst>
-                                          <p:attrName>style.visibility</p:attrName>
-                                        </p:attrNameLst>
-                                      </p:cBhvr>
-                                      <p:to>
-                                        <p:strVal val="visible"/>
-                                      </p:to>
-                                    </p:set>
-                                  </p:childTnLst>
-                                </p:cTn>
-                              </p:par>
-                              <p:par>
-                                <p:cTn id="7" presetID="1" presetClass="entr" presetSubtype="0" fill="hold" nodeType="withEffect">
-                                  <p:stCondLst>
-                                    <p:cond delay="0"/>
-                                  </p:stCondLst>
-                                  <p:childTnLst>
-                                    <p:set>
-                                      <p:cBhvr>
-                                        <p:cTn id="8" dur="1" fill="hold">
-                                          <p:stCondLst>
-                                            <p:cond delay="0"/>
-                                          </p:stCondLst>
-                                        </p:cTn>
-                                        <p:tgtEl>
-                                          <p:spTgt spid="33"/>
-                                        </p:tgtEl>
-                                        <p:attrNameLst>
-                                          <p:attrName>style.visibility</p:attrName>
-                                        </p:attrNameLst>
-                                      </p:cBhvr>
-                                      <p:to>
-                                        <p:strVal val="visible"/>
-                                      </p:to>
-                                    </p:set>
-                                  </p:childTnLst>
-                                </p:cTn>
-                              </p:par>
-                            </p:childTnLst>
-                          </p:cTn>
-                        </p:par>
-                      </p:childTnLst>
-                    </p:cTn>
-                  </p:par>
-                </p:childTnLst>
-              </p:cTn>
-              <p:prevCondLst>
-                <p:cond evt="onPrev" delay="0">
-                  <p:tgtEl>
-                    <p:sldTgt/>
-                  </p:tgtEl>
-                </p:cond>
-              </p:prevCondLst>
-              <p:nextCondLst>
-                <p:cond evt="onNext" delay="0">
-                  <p:tgtEl>
-                    <p:sldTgt/>
-                  </p:tgtEl>
-                </p:cond>
-              </p:nextCondLst>
-            </p:seq>
-          </p:childTnLst>
-        </p:cTn>
-      </p:par>
-    </p:tnLst>
-    <p:bldLst>
-      <p:bldP spid="3" grpId="0" build="p"/>
-    </p:bldLst>
-  </p:timing>
-</p:sld>
-</file>
-
 <file path=ppt/theme/theme1.xml><?xml version="1.0" encoding="utf-8"?>
 <a:theme xmlns:a="http://schemas.openxmlformats.org/drawingml/2006/main" name="Office Theme">
   <a:themeElements>
@@ -13852,18 +13874,18 @@
 </file>
 
 <file path=customXml/item1.xml><?xml version="1.0" encoding="utf-8"?>
+<p:properties xmlns:p="http://schemas.microsoft.com/office/2006/metadata/properties" xmlns:xsi="http://www.w3.org/2001/XMLSchema-instance">
+  <documentManagement/>
+</p:properties>
+</file>
+
+<file path=customXml/item2.xml><?xml version="1.0" encoding="utf-8"?>
 <?mso-contentType ?>
 <FormTemplates xmlns="http://schemas.microsoft.com/sharepoint/v3/contenttype/forms">
   <Display>DocumentLibraryForm</Display>
   <Edit>DocumentLibraryForm</Edit>
   <New>DocumentLibraryForm</New>
 </FormTemplates>
-</file>
-
-<file path=customXml/item2.xml><?xml version="1.0" encoding="utf-8"?>
-<p:properties xmlns:p="http://schemas.microsoft.com/office/2006/metadata/properties" xmlns:xsi="http://www.w3.org/2001/XMLSchema-instance">
-  <documentManagement/>
-</p:properties>
 </file>
 
 <file path=customXml/item3.xml><?xml version="1.0" encoding="utf-8"?>
@@ -13916,17 +13938,17 @@
 </file>
 
 <file path=customXml/itemProps1.xml><?xml version="1.0" encoding="utf-8"?>
-<ds:datastoreItem xmlns:ds="http://schemas.openxmlformats.org/officeDocument/2006/customXml" ds:itemID="{FB083D28-B507-4223-9F16-44E94B046BC4}">
+<ds:datastoreItem xmlns:ds="http://schemas.openxmlformats.org/officeDocument/2006/customXml" ds:itemID="{B9161045-57F7-4311-AEDE-F647E5F1894E}">
   <ds:schemaRefs>
-    <ds:schemaRef ds:uri="http://schemas.microsoft.com/sharepoint/v3/contenttype/forms"/>
+    <ds:schemaRef ds:uri="http://schemas.microsoft.com/office/2006/metadata/properties"/>
   </ds:schemaRefs>
 </ds:datastoreItem>
 </file>
 
 <file path=customXml/itemProps2.xml><?xml version="1.0" encoding="utf-8"?>
-<ds:datastoreItem xmlns:ds="http://schemas.openxmlformats.org/officeDocument/2006/customXml" ds:itemID="{B9161045-57F7-4311-AEDE-F647E5F1894E}">
+<ds:datastoreItem xmlns:ds="http://schemas.openxmlformats.org/officeDocument/2006/customXml" ds:itemID="{FB083D28-B507-4223-9F16-44E94B046BC4}">
   <ds:schemaRefs>
-    <ds:schemaRef ds:uri="http://schemas.microsoft.com/office/2006/metadata/properties"/>
+    <ds:schemaRef ds:uri="http://schemas.microsoft.com/sharepoint/v3/contenttype/forms"/>
   </ds:schemaRefs>
 </ds:datastoreItem>
 </file>
